--- a/15_ExtractTransformLoad.pptx
+++ b/15_ExtractTransformLoad.pptx
@@ -233,7 +233,7 @@
             <a:fld id="{6837EDA8-41C8-4B24-A206-13C08A65A6D7}" type="datetimeFigureOut">
               <a:rPr lang="zh-TW" altLang="en-US" smtClean="0"/>
               <a:pPr/>
-              <a:t>2020/5/27</a:t>
+              <a:t>2020/5/28</a:t>
             </a:fld>
             <a:endParaRPr lang="zh-TW" altLang="en-US"/>
           </a:p>
@@ -686,7 +686,7 @@
             <a:fld id="{8B85509C-BD4F-47BF-9B1E-FC2E949B3621}" type="datetime1">
               <a:rPr lang="zh-TW" altLang="en-US" smtClean="0"/>
               <a:pPr/>
-              <a:t>2020/5/27</a:t>
+              <a:t>2020/5/28</a:t>
             </a:fld>
             <a:endParaRPr lang="zh-TW" altLang="en-US"/>
           </a:p>
@@ -859,7 +859,7 @@
             <a:fld id="{42251B24-F787-4C15-8A0F-7AEC20C70069}" type="datetime1">
               <a:rPr lang="zh-TW" altLang="en-US" smtClean="0"/>
               <a:pPr/>
-              <a:t>2020/5/27</a:t>
+              <a:t>2020/5/28</a:t>
             </a:fld>
             <a:endParaRPr lang="zh-TW" altLang="en-US"/>
           </a:p>
@@ -1034,7 +1034,7 @@
             <a:fld id="{9CA0D33C-CE2B-45F1-B8D4-FFD1F131F331}" type="datetime1">
               <a:rPr lang="zh-TW" altLang="en-US" smtClean="0"/>
               <a:pPr/>
-              <a:t>2020/5/27</a:t>
+              <a:t>2020/5/28</a:t>
             </a:fld>
             <a:endParaRPr lang="zh-TW" altLang="en-US"/>
           </a:p>
@@ -1199,7 +1199,7 @@
             <a:fld id="{50B99440-D9EF-40CC-9B52-F6428D9B2C76}" type="datetime1">
               <a:rPr lang="zh-TW" altLang="en-US" smtClean="0"/>
               <a:pPr/>
-              <a:t>2020/5/27</a:t>
+              <a:t>2020/5/28</a:t>
             </a:fld>
             <a:endParaRPr lang="zh-TW" altLang="en-US"/>
           </a:p>
@@ -1441,7 +1441,7 @@
             <a:fld id="{0871BF52-5C6C-4959-8E27-CECB68D39FE4}" type="datetime1">
               <a:rPr lang="zh-TW" altLang="en-US" smtClean="0"/>
               <a:pPr/>
-              <a:t>2020/5/27</a:t>
+              <a:t>2020/5/28</a:t>
             </a:fld>
             <a:endParaRPr lang="zh-TW" altLang="en-US"/>
           </a:p>
@@ -1723,7 +1723,7 @@
             <a:fld id="{DF863F05-2DD9-4EB1-A827-12FD992DE9DC}" type="datetime1">
               <a:rPr lang="zh-TW" altLang="en-US" smtClean="0"/>
               <a:pPr/>
-              <a:t>2020/5/27</a:t>
+              <a:t>2020/5/28</a:t>
             </a:fld>
             <a:endParaRPr lang="zh-TW" altLang="en-US"/>
           </a:p>
@@ -2139,7 +2139,7 @@
             <a:fld id="{6339AF51-4491-4873-A096-75DB6CE47516}" type="datetime1">
               <a:rPr lang="zh-TW" altLang="en-US" smtClean="0"/>
               <a:pPr/>
-              <a:t>2020/5/27</a:t>
+              <a:t>2020/5/28</a:t>
             </a:fld>
             <a:endParaRPr lang="zh-TW" altLang="en-US"/>
           </a:p>
@@ -2253,7 +2253,7 @@
             <a:fld id="{EE4AD9C8-8B9E-40FF-ABE2-858AC2057BBB}" type="datetime1">
               <a:rPr lang="zh-TW" altLang="en-US" smtClean="0"/>
               <a:pPr/>
-              <a:t>2020/5/27</a:t>
+              <a:t>2020/5/28</a:t>
             </a:fld>
             <a:endParaRPr lang="zh-TW" altLang="en-US"/>
           </a:p>
@@ -2345,7 +2345,7 @@
             <a:fld id="{B4784999-BBBE-4BE4-A8D0-877E7D1D66CC}" type="datetime1">
               <a:rPr lang="zh-TW" altLang="en-US" smtClean="0"/>
               <a:pPr/>
-              <a:t>2020/5/27</a:t>
+              <a:t>2020/5/28</a:t>
             </a:fld>
             <a:endParaRPr lang="zh-TW" altLang="en-US"/>
           </a:p>
@@ -2617,7 +2617,7 @@
             <a:fld id="{E88D17E6-02BD-4944-B9FE-7BFCCBF83D48}" type="datetime1">
               <a:rPr lang="zh-TW" altLang="en-US" smtClean="0"/>
               <a:pPr/>
-              <a:t>2020/5/27</a:t>
+              <a:t>2020/5/28</a:t>
             </a:fld>
             <a:endParaRPr lang="zh-TW" altLang="en-US"/>
           </a:p>
@@ -2866,7 +2866,7 @@
             <a:fld id="{3C13E23D-1FEF-4D78-A3A3-3D6F2BB31954}" type="datetime1">
               <a:rPr lang="zh-TW" altLang="en-US" smtClean="0"/>
               <a:pPr/>
-              <a:t>2020/5/27</a:t>
+              <a:t>2020/5/28</a:t>
             </a:fld>
             <a:endParaRPr lang="zh-TW" altLang="en-US"/>
           </a:p>
@@ -3074,7 +3074,7 @@
             <a:fld id="{06197F35-AD6F-4594-8B50-334492D2E7E8}" type="datetime1">
               <a:rPr lang="zh-TW" altLang="en-US" smtClean="0"/>
               <a:pPr/>
-              <a:t>2020/5/27</a:t>
+              <a:t>2020/5/28</a:t>
             </a:fld>
             <a:endParaRPr lang="zh-TW" altLang="en-US"/>
           </a:p>
@@ -3535,7 +3535,7 @@
             <a:fld id="{C389EDC9-19E3-47AC-9C57-C6A24DEA81AD}" type="datetime1">
               <a:rPr lang="zh-TW" altLang="en-US" smtClean="0"/>
               <a:pPr/>
-              <a:t>2020/5/27</a:t>
+              <a:t>2020/5/28</a:t>
             </a:fld>
             <a:endParaRPr lang="zh-TW" altLang="en-US"/>
           </a:p>
@@ -3671,36 +3671,6 @@
       </p:sp>
       <p:sp>
         <p:nvSpPr>
-          <p:cNvPr id="3" name="副標題 2"/>
-          <p:cNvSpPr>
-            <a:spLocks noGrp="1"/>
-          </p:cNvSpPr>
-          <p:nvPr>
-            <p:ph type="subTitle" idx="1"/>
-          </p:nvPr>
-        </p:nvSpPr>
-        <p:spPr>
-          <a:xfrm>
-            <a:off x="1259632" y="4581128"/>
-            <a:ext cx="6400800" cy="694928"/>
-          </a:xfrm>
-        </p:spPr>
-        <p:txBody>
-          <a:bodyPr>
-            <a:normAutofit/>
-          </a:bodyPr>
-          <a:lstStyle/>
-          <a:p>
-            <a:r>
-              <a:rPr lang="en-US" altLang="zh-TW" dirty="0"/>
-              <a:t>Peter H. Chen</a:t>
-            </a:r>
-            <a:endParaRPr lang="zh-TW" altLang="en-US" dirty="0"/>
-          </a:p>
-        </p:txBody>
-      </p:sp>
-      <p:sp>
-        <p:nvSpPr>
           <p:cNvPr id="5" name="日期版面配置區 4"/>
           <p:cNvSpPr>
             <a:spLocks noGrp="1"/>
@@ -3717,7 +3687,7 @@
             <a:fld id="{C389EDC9-19E3-47AC-9C57-C6A24DEA81AD}" type="datetime1">
               <a:rPr lang="zh-TW" altLang="en-US" smtClean="0"/>
               <a:pPr/>
-              <a:t>2020/5/27</a:t>
+              <a:t>2020/5/28</a:t>
             </a:fld>
             <a:endParaRPr lang="zh-TW" altLang="en-US"/>
           </a:p>
@@ -4073,7 +4043,7 @@
             <a:fld id="{A4F910E6-8D00-4BAF-8C48-9688E0B449D3}" type="datetime1">
               <a:rPr lang="zh-TW" altLang="en-US" smtClean="0"/>
               <a:pPr/>
-              <a:t>2020/5/27</a:t>
+              <a:t>2020/5/28</a:t>
             </a:fld>
             <a:endParaRPr lang="zh-TW" altLang="en-US"/>
           </a:p>
@@ -4398,7 +4368,7 @@
             <a:fld id="{A4F910E6-8D00-4BAF-8C48-9688E0B449D3}" type="datetime1">
               <a:rPr lang="zh-TW" altLang="en-US" smtClean="0"/>
               <a:pPr/>
-              <a:t>2020/5/27</a:t>
+              <a:t>2020/5/28</a:t>
             </a:fld>
             <a:endParaRPr lang="zh-TW" altLang="en-US"/>
           </a:p>
@@ -4851,7 +4821,7 @@
             <a:fld id="{A4F910E6-8D00-4BAF-8C48-9688E0B449D3}" type="datetime1">
               <a:rPr lang="zh-TW" altLang="en-US" smtClean="0"/>
               <a:pPr/>
-              <a:t>2020/5/27</a:t>
+              <a:t>2020/5/28</a:t>
             </a:fld>
             <a:endParaRPr lang="zh-TW" altLang="en-US"/>
           </a:p>
@@ -5284,7 +5254,7 @@
             <a:fld id="{A4F910E6-8D00-4BAF-8C48-9688E0B449D3}" type="datetime1">
               <a:rPr lang="zh-TW" altLang="en-US" smtClean="0"/>
               <a:pPr/>
-              <a:t>2020/5/27</a:t>
+              <a:t>2020/5/28</a:t>
             </a:fld>
             <a:endParaRPr lang="zh-TW" altLang="en-US"/>
           </a:p>
@@ -5387,36 +5357,6 @@
       </p:sp>
       <p:sp>
         <p:nvSpPr>
-          <p:cNvPr id="3" name="副標題 2"/>
-          <p:cNvSpPr>
-            <a:spLocks noGrp="1"/>
-          </p:cNvSpPr>
-          <p:nvPr>
-            <p:ph type="subTitle" idx="1"/>
-          </p:nvPr>
-        </p:nvSpPr>
-        <p:spPr>
-          <a:xfrm>
-            <a:off x="1259632" y="4581128"/>
-            <a:ext cx="6400800" cy="694928"/>
-          </a:xfrm>
-        </p:spPr>
-        <p:txBody>
-          <a:bodyPr>
-            <a:normAutofit/>
-          </a:bodyPr>
-          <a:lstStyle/>
-          <a:p>
-            <a:r>
-              <a:rPr lang="en-US" altLang="zh-TW" dirty="0"/>
-              <a:t>Peter H. Chen</a:t>
-            </a:r>
-            <a:endParaRPr lang="zh-TW" altLang="en-US" dirty="0"/>
-          </a:p>
-        </p:txBody>
-      </p:sp>
-      <p:sp>
-        <p:nvSpPr>
           <p:cNvPr id="5" name="日期版面配置區 4"/>
           <p:cNvSpPr>
             <a:spLocks noGrp="1"/>
@@ -5433,7 +5373,7 @@
             <a:fld id="{C389EDC9-19E3-47AC-9C57-C6A24DEA81AD}" type="datetime1">
               <a:rPr lang="zh-TW" altLang="en-US" smtClean="0"/>
               <a:pPr/>
-              <a:t>2020/5/27</a:t>
+              <a:t>2020/5/28</a:t>
             </a:fld>
             <a:endParaRPr lang="zh-TW" altLang="en-US"/>
           </a:p>
@@ -5747,7 +5687,7 @@
             <a:fld id="{A4F910E6-8D00-4BAF-8C48-9688E0B449D3}" type="datetime1">
               <a:rPr lang="zh-TW" altLang="en-US" smtClean="0"/>
               <a:pPr/>
-              <a:t>2020/5/27</a:t>
+              <a:t>2020/5/28</a:t>
             </a:fld>
             <a:endParaRPr lang="zh-TW" altLang="en-US"/>
           </a:p>
@@ -6132,7 +6072,7 @@
             <a:fld id="{A4F910E6-8D00-4BAF-8C48-9688E0B449D3}" type="datetime1">
               <a:rPr lang="zh-TW" altLang="en-US" smtClean="0"/>
               <a:pPr/>
-              <a:t>2020/5/27</a:t>
+              <a:t>2020/5/28</a:t>
             </a:fld>
             <a:endParaRPr lang="zh-TW" altLang="en-US"/>
           </a:p>
@@ -6590,7 +6530,7 @@
             <a:fld id="{A4F910E6-8D00-4BAF-8C48-9688E0B449D3}" type="datetime1">
               <a:rPr lang="zh-TW" altLang="en-US" smtClean="0"/>
               <a:pPr/>
-              <a:t>2020/5/27</a:t>
+              <a:t>2020/5/28</a:t>
             </a:fld>
             <a:endParaRPr lang="zh-TW" altLang="en-US"/>
           </a:p>
@@ -6943,7 +6883,7 @@
             <a:fld id="{A4F910E6-8D00-4BAF-8C48-9688E0B449D3}" type="datetime1">
               <a:rPr lang="zh-TW" altLang="en-US" smtClean="0"/>
               <a:pPr/>
-              <a:t>2020/5/27</a:t>
+              <a:t>2020/5/28</a:t>
             </a:fld>
             <a:endParaRPr lang="zh-TW" altLang="en-US"/>
           </a:p>
@@ -7560,7 +7500,7 @@
             <a:fld id="{A4F910E6-8D00-4BAF-8C48-9688E0B449D3}" type="datetime1">
               <a:rPr lang="zh-TW" altLang="en-US" smtClean="0"/>
               <a:pPr/>
-              <a:t>2020/5/27</a:t>
+              <a:t>2020/5/28</a:t>
             </a:fld>
             <a:endParaRPr lang="zh-TW" altLang="en-US"/>
           </a:p>
@@ -7715,36 +7655,6 @@
       </p:sp>
       <p:sp>
         <p:nvSpPr>
-          <p:cNvPr id="3" name="副標題 2"/>
-          <p:cNvSpPr>
-            <a:spLocks noGrp="1"/>
-          </p:cNvSpPr>
-          <p:nvPr>
-            <p:ph type="subTitle" idx="1"/>
-          </p:nvPr>
-        </p:nvSpPr>
-        <p:spPr>
-          <a:xfrm>
-            <a:off x="1259632" y="4581128"/>
-            <a:ext cx="6400800" cy="694928"/>
-          </a:xfrm>
-        </p:spPr>
-        <p:txBody>
-          <a:bodyPr>
-            <a:normAutofit/>
-          </a:bodyPr>
-          <a:lstStyle/>
-          <a:p>
-            <a:r>
-              <a:rPr lang="en-US" altLang="zh-TW" dirty="0"/>
-              <a:t>Peter H. Chen</a:t>
-            </a:r>
-            <a:endParaRPr lang="zh-TW" altLang="en-US" dirty="0"/>
-          </a:p>
-        </p:txBody>
-      </p:sp>
-      <p:sp>
-        <p:nvSpPr>
           <p:cNvPr id="5" name="日期版面配置區 4"/>
           <p:cNvSpPr>
             <a:spLocks noGrp="1"/>
@@ -7761,7 +7671,7 @@
             <a:fld id="{C389EDC9-19E3-47AC-9C57-C6A24DEA81AD}" type="datetime1">
               <a:rPr lang="zh-TW" altLang="en-US" smtClean="0"/>
               <a:pPr/>
-              <a:t>2020/5/27</a:t>
+              <a:t>2020/5/28</a:t>
             </a:fld>
             <a:endParaRPr lang="zh-TW" altLang="en-US"/>
           </a:p>
@@ -8091,7 +8001,7 @@
             <a:fld id="{A4F910E6-8D00-4BAF-8C48-9688E0B449D3}" type="datetime1">
               <a:rPr lang="zh-TW" altLang="en-US" smtClean="0"/>
               <a:pPr/>
-              <a:t>2020/5/27</a:t>
+              <a:t>2020/5/28</a:t>
             </a:fld>
             <a:endParaRPr lang="zh-TW" altLang="en-US"/>
           </a:p>
@@ -8444,7 +8354,7 @@
             <a:fld id="{A4F910E6-8D00-4BAF-8C48-9688E0B449D3}" type="datetime1">
               <a:rPr lang="zh-TW" altLang="en-US" smtClean="0"/>
               <a:pPr/>
-              <a:t>2020/5/27</a:t>
+              <a:t>2020/5/28</a:t>
             </a:fld>
             <a:endParaRPr lang="zh-TW" altLang="en-US"/>
           </a:p>
@@ -8634,36 +8544,6 @@
       </p:sp>
       <p:sp>
         <p:nvSpPr>
-          <p:cNvPr id="3" name="副標題 2"/>
-          <p:cNvSpPr>
-            <a:spLocks noGrp="1"/>
-          </p:cNvSpPr>
-          <p:nvPr>
-            <p:ph type="subTitle" idx="1"/>
-          </p:nvPr>
-        </p:nvSpPr>
-        <p:spPr>
-          <a:xfrm>
-            <a:off x="1259632" y="4581128"/>
-            <a:ext cx="6400800" cy="694928"/>
-          </a:xfrm>
-        </p:spPr>
-        <p:txBody>
-          <a:bodyPr>
-            <a:normAutofit/>
-          </a:bodyPr>
-          <a:lstStyle/>
-          <a:p>
-            <a:r>
-              <a:rPr lang="en-US" altLang="zh-TW" dirty="0"/>
-              <a:t>Peter H. Chen</a:t>
-            </a:r>
-            <a:endParaRPr lang="zh-TW" altLang="en-US" dirty="0"/>
-          </a:p>
-        </p:txBody>
-      </p:sp>
-      <p:sp>
-        <p:nvSpPr>
           <p:cNvPr id="5" name="日期版面配置區 4"/>
           <p:cNvSpPr>
             <a:spLocks noGrp="1"/>
@@ -8680,7 +8560,7 @@
             <a:fld id="{C389EDC9-19E3-47AC-9C57-C6A24DEA81AD}" type="datetime1">
               <a:rPr lang="zh-TW" altLang="en-US" smtClean="0"/>
               <a:pPr/>
-              <a:t>2020/5/27</a:t>
+              <a:t>2020/5/28</a:t>
             </a:fld>
             <a:endParaRPr lang="zh-TW" altLang="en-US"/>
           </a:p>
@@ -9000,7 +8880,7 @@
             <a:fld id="{A4F910E6-8D00-4BAF-8C48-9688E0B449D3}" type="datetime1">
               <a:rPr lang="zh-TW" altLang="en-US" smtClean="0"/>
               <a:pPr/>
-              <a:t>2020/5/27</a:t>
+              <a:t>2020/5/28</a:t>
             </a:fld>
             <a:endParaRPr lang="zh-TW" altLang="en-US"/>
           </a:p>
@@ -9177,7 +9057,7 @@
             <a:fld id="{4E46BE27-E923-4EC2-B046-3272AE2A3E5C}" type="datetime1">
               <a:rPr lang="zh-TW" altLang="en-US" smtClean="0"/>
               <a:pPr/>
-              <a:t>2020/5/27</a:t>
+              <a:t>2020/5/28</a:t>
             </a:fld>
             <a:endParaRPr lang="zh-TW" altLang="en-US"/>
           </a:p>
@@ -9598,7 +9478,7 @@
             <a:fld id="{A4F910E6-8D00-4BAF-8C48-9688E0B449D3}" type="datetime1">
               <a:rPr lang="zh-TW" altLang="en-US" smtClean="0"/>
               <a:pPr/>
-              <a:t>2020/5/27</a:t>
+              <a:t>2020/5/28</a:t>
             </a:fld>
             <a:endParaRPr lang="zh-TW" altLang="en-US"/>
           </a:p>
@@ -9990,7 +9870,7 @@
             <a:fld id="{A4F910E6-8D00-4BAF-8C48-9688E0B449D3}" type="datetime1">
               <a:rPr lang="zh-TW" altLang="en-US" smtClean="0"/>
               <a:pPr/>
-              <a:t>2020/5/27</a:t>
+              <a:t>2020/5/28</a:t>
             </a:fld>
             <a:endParaRPr lang="zh-TW" altLang="en-US"/>
           </a:p>
@@ -10376,7 +10256,7 @@
             <a:fld id="{A4F910E6-8D00-4BAF-8C48-9688E0B449D3}" type="datetime1">
               <a:rPr lang="zh-TW" altLang="en-US" smtClean="0"/>
               <a:pPr/>
-              <a:t>2020/5/27</a:t>
+              <a:t>2020/5/28</a:t>
             </a:fld>
             <a:endParaRPr lang="zh-TW" altLang="en-US"/>
           </a:p>
@@ -11042,7 +10922,7 @@
             <a:fld id="{A4F910E6-8D00-4BAF-8C48-9688E0B449D3}" type="datetime1">
               <a:rPr lang="zh-TW" altLang="en-US" smtClean="0"/>
               <a:pPr/>
-              <a:t>2020/5/27</a:t>
+              <a:t>2020/5/28</a:t>
             </a:fld>
             <a:endParaRPr lang="zh-TW" altLang="en-US"/>
           </a:p>
@@ -11188,36 +11068,6 @@
       </p:sp>
       <p:sp>
         <p:nvSpPr>
-          <p:cNvPr id="3" name="副標題 2"/>
-          <p:cNvSpPr>
-            <a:spLocks noGrp="1"/>
-          </p:cNvSpPr>
-          <p:nvPr>
-            <p:ph type="subTitle" idx="1"/>
-          </p:nvPr>
-        </p:nvSpPr>
-        <p:spPr>
-          <a:xfrm>
-            <a:off x="1259632" y="4581128"/>
-            <a:ext cx="6400800" cy="694928"/>
-          </a:xfrm>
-        </p:spPr>
-        <p:txBody>
-          <a:bodyPr>
-            <a:normAutofit/>
-          </a:bodyPr>
-          <a:lstStyle/>
-          <a:p>
-            <a:r>
-              <a:rPr lang="en-US" altLang="zh-TW" dirty="0"/>
-              <a:t>Peter H. Chen</a:t>
-            </a:r>
-            <a:endParaRPr lang="zh-TW" altLang="en-US" dirty="0"/>
-          </a:p>
-        </p:txBody>
-      </p:sp>
-      <p:sp>
-        <p:nvSpPr>
           <p:cNvPr id="5" name="日期版面配置區 4"/>
           <p:cNvSpPr>
             <a:spLocks noGrp="1"/>
@@ -11234,7 +11084,7 @@
             <a:fld id="{C389EDC9-19E3-47AC-9C57-C6A24DEA81AD}" type="datetime1">
               <a:rPr lang="zh-TW" altLang="en-US" smtClean="0"/>
               <a:pPr/>
-              <a:t>2020/5/27</a:t>
+              <a:t>2020/5/28</a:t>
             </a:fld>
             <a:endParaRPr lang="zh-TW" altLang="en-US"/>
           </a:p>
@@ -11646,7 +11496,7 @@
             <a:fld id="{A4F910E6-8D00-4BAF-8C48-9688E0B449D3}" type="datetime1">
               <a:rPr lang="zh-TW" altLang="en-US" smtClean="0"/>
               <a:pPr/>
-              <a:t>2020/5/27</a:t>
+              <a:t>2020/5/28</a:t>
             </a:fld>
             <a:endParaRPr lang="zh-TW" altLang="en-US"/>
           </a:p>
@@ -11955,7 +11805,7 @@
             <a:fld id="{A4F910E6-8D00-4BAF-8C48-9688E0B449D3}" type="datetime1">
               <a:rPr lang="zh-TW" altLang="en-US" smtClean="0"/>
               <a:pPr/>
-              <a:t>2020/5/27</a:t>
+              <a:t>2020/5/28</a:t>
             </a:fld>
             <a:endParaRPr lang="zh-TW" altLang="en-US"/>
           </a:p>

--- a/15_ExtractTransformLoad.pptx
+++ b/15_ExtractTransformLoad.pptx
@@ -5,7 +5,7 @@
     <p:sldMasterId id="2147483648" r:id="rId1"/>
   </p:sldMasterIdLst>
   <p:notesMasterIdLst>
-    <p:notesMasterId r:id="rId27"/>
+    <p:notesMasterId r:id="rId31"/>
   </p:notesMasterIdLst>
   <p:sldIdLst>
     <p:sldId id="256" r:id="rId2"/>
@@ -32,7 +32,11 @@
     <p:sldId id="288" r:id="rId23"/>
     <p:sldId id="294" r:id="rId24"/>
     <p:sldId id="289" r:id="rId25"/>
-    <p:sldId id="259" r:id="rId26"/>
+    <p:sldId id="295" r:id="rId26"/>
+    <p:sldId id="296" r:id="rId27"/>
+    <p:sldId id="297" r:id="rId28"/>
+    <p:sldId id="298" r:id="rId29"/>
+    <p:sldId id="259" r:id="rId30"/>
   </p:sldIdLst>
   <p:sldSz cx="9144000" cy="6858000" type="screen4x3"/>
   <p:notesSz cx="6858000" cy="9144000"/>
@@ -233,7 +237,7 @@
             <a:fld id="{6837EDA8-41C8-4B24-A206-13C08A65A6D7}" type="datetimeFigureOut">
               <a:rPr lang="zh-TW" altLang="en-US" smtClean="0"/>
               <a:pPr/>
-              <a:t>2020/5/28</a:t>
+              <a:t>2020/5/30</a:t>
             </a:fld>
             <a:endParaRPr lang="zh-TW" altLang="en-US"/>
           </a:p>
@@ -686,7 +690,7 @@
             <a:fld id="{8B85509C-BD4F-47BF-9B1E-FC2E949B3621}" type="datetime1">
               <a:rPr lang="zh-TW" altLang="en-US" smtClean="0"/>
               <a:pPr/>
-              <a:t>2020/5/28</a:t>
+              <a:t>2020/5/30</a:t>
             </a:fld>
             <a:endParaRPr lang="zh-TW" altLang="en-US"/>
           </a:p>
@@ -859,7 +863,7 @@
             <a:fld id="{42251B24-F787-4C15-8A0F-7AEC20C70069}" type="datetime1">
               <a:rPr lang="zh-TW" altLang="en-US" smtClean="0"/>
               <a:pPr/>
-              <a:t>2020/5/28</a:t>
+              <a:t>2020/5/30</a:t>
             </a:fld>
             <a:endParaRPr lang="zh-TW" altLang="en-US"/>
           </a:p>
@@ -1034,7 +1038,7 @@
             <a:fld id="{9CA0D33C-CE2B-45F1-B8D4-FFD1F131F331}" type="datetime1">
               <a:rPr lang="zh-TW" altLang="en-US" smtClean="0"/>
               <a:pPr/>
-              <a:t>2020/5/28</a:t>
+              <a:t>2020/5/30</a:t>
             </a:fld>
             <a:endParaRPr lang="zh-TW" altLang="en-US"/>
           </a:p>
@@ -1199,7 +1203,7 @@
             <a:fld id="{50B99440-D9EF-40CC-9B52-F6428D9B2C76}" type="datetime1">
               <a:rPr lang="zh-TW" altLang="en-US" smtClean="0"/>
               <a:pPr/>
-              <a:t>2020/5/28</a:t>
+              <a:t>2020/5/30</a:t>
             </a:fld>
             <a:endParaRPr lang="zh-TW" altLang="en-US"/>
           </a:p>
@@ -1441,7 +1445,7 @@
             <a:fld id="{0871BF52-5C6C-4959-8E27-CECB68D39FE4}" type="datetime1">
               <a:rPr lang="zh-TW" altLang="en-US" smtClean="0"/>
               <a:pPr/>
-              <a:t>2020/5/28</a:t>
+              <a:t>2020/5/30</a:t>
             </a:fld>
             <a:endParaRPr lang="zh-TW" altLang="en-US"/>
           </a:p>
@@ -1723,7 +1727,7 @@
             <a:fld id="{DF863F05-2DD9-4EB1-A827-12FD992DE9DC}" type="datetime1">
               <a:rPr lang="zh-TW" altLang="en-US" smtClean="0"/>
               <a:pPr/>
-              <a:t>2020/5/28</a:t>
+              <a:t>2020/5/30</a:t>
             </a:fld>
             <a:endParaRPr lang="zh-TW" altLang="en-US"/>
           </a:p>
@@ -2139,7 +2143,7 @@
             <a:fld id="{6339AF51-4491-4873-A096-75DB6CE47516}" type="datetime1">
               <a:rPr lang="zh-TW" altLang="en-US" smtClean="0"/>
               <a:pPr/>
-              <a:t>2020/5/28</a:t>
+              <a:t>2020/5/30</a:t>
             </a:fld>
             <a:endParaRPr lang="zh-TW" altLang="en-US"/>
           </a:p>
@@ -2253,7 +2257,7 @@
             <a:fld id="{EE4AD9C8-8B9E-40FF-ABE2-858AC2057BBB}" type="datetime1">
               <a:rPr lang="zh-TW" altLang="en-US" smtClean="0"/>
               <a:pPr/>
-              <a:t>2020/5/28</a:t>
+              <a:t>2020/5/30</a:t>
             </a:fld>
             <a:endParaRPr lang="zh-TW" altLang="en-US"/>
           </a:p>
@@ -2345,7 +2349,7 @@
             <a:fld id="{B4784999-BBBE-4BE4-A8D0-877E7D1D66CC}" type="datetime1">
               <a:rPr lang="zh-TW" altLang="en-US" smtClean="0"/>
               <a:pPr/>
-              <a:t>2020/5/28</a:t>
+              <a:t>2020/5/30</a:t>
             </a:fld>
             <a:endParaRPr lang="zh-TW" altLang="en-US"/>
           </a:p>
@@ -2617,7 +2621,7 @@
             <a:fld id="{E88D17E6-02BD-4944-B9FE-7BFCCBF83D48}" type="datetime1">
               <a:rPr lang="zh-TW" altLang="en-US" smtClean="0"/>
               <a:pPr/>
-              <a:t>2020/5/28</a:t>
+              <a:t>2020/5/30</a:t>
             </a:fld>
             <a:endParaRPr lang="zh-TW" altLang="en-US"/>
           </a:p>
@@ -2866,7 +2870,7 @@
             <a:fld id="{3C13E23D-1FEF-4D78-A3A3-3D6F2BB31954}" type="datetime1">
               <a:rPr lang="zh-TW" altLang="en-US" smtClean="0"/>
               <a:pPr/>
-              <a:t>2020/5/28</a:t>
+              <a:t>2020/5/30</a:t>
             </a:fld>
             <a:endParaRPr lang="zh-TW" altLang="en-US"/>
           </a:p>
@@ -3074,7 +3078,7 @@
             <a:fld id="{06197F35-AD6F-4594-8B50-334492D2E7E8}" type="datetime1">
               <a:rPr lang="zh-TW" altLang="en-US" smtClean="0"/>
               <a:pPr/>
-              <a:t>2020/5/28</a:t>
+              <a:t>2020/5/30</a:t>
             </a:fld>
             <a:endParaRPr lang="zh-TW" altLang="en-US"/>
           </a:p>
@@ -3535,7 +3539,7 @@
             <a:fld id="{C389EDC9-19E3-47AC-9C57-C6A24DEA81AD}" type="datetime1">
               <a:rPr lang="zh-TW" altLang="en-US" smtClean="0"/>
               <a:pPr/>
-              <a:t>2020/5/28</a:t>
+              <a:t>2020/5/30</a:t>
             </a:fld>
             <a:endParaRPr lang="zh-TW" altLang="en-US"/>
           </a:p>
@@ -3687,7 +3691,7 @@
             <a:fld id="{C389EDC9-19E3-47AC-9C57-C6A24DEA81AD}" type="datetime1">
               <a:rPr lang="zh-TW" altLang="en-US" smtClean="0"/>
               <a:pPr/>
-              <a:t>2020/5/28</a:t>
+              <a:t>2020/5/30</a:t>
             </a:fld>
             <a:endParaRPr lang="zh-TW" altLang="en-US"/>
           </a:p>
@@ -4043,7 +4047,7 @@
             <a:fld id="{A4F910E6-8D00-4BAF-8C48-9688E0B449D3}" type="datetime1">
               <a:rPr lang="zh-TW" altLang="en-US" smtClean="0"/>
               <a:pPr/>
-              <a:t>2020/5/28</a:t>
+              <a:t>2020/5/30</a:t>
             </a:fld>
             <a:endParaRPr lang="zh-TW" altLang="en-US"/>
           </a:p>
@@ -4368,7 +4372,7 @@
             <a:fld id="{A4F910E6-8D00-4BAF-8C48-9688E0B449D3}" type="datetime1">
               <a:rPr lang="zh-TW" altLang="en-US" smtClean="0"/>
               <a:pPr/>
-              <a:t>2020/5/28</a:t>
+              <a:t>2020/5/30</a:t>
             </a:fld>
             <a:endParaRPr lang="zh-TW" altLang="en-US"/>
           </a:p>
@@ -4821,7 +4825,7 @@
             <a:fld id="{A4F910E6-8D00-4BAF-8C48-9688E0B449D3}" type="datetime1">
               <a:rPr lang="zh-TW" altLang="en-US" smtClean="0"/>
               <a:pPr/>
-              <a:t>2020/5/28</a:t>
+              <a:t>2020/5/30</a:t>
             </a:fld>
             <a:endParaRPr lang="zh-TW" altLang="en-US"/>
           </a:p>
@@ -5254,7 +5258,7 @@
             <a:fld id="{A4F910E6-8D00-4BAF-8C48-9688E0B449D3}" type="datetime1">
               <a:rPr lang="zh-TW" altLang="en-US" smtClean="0"/>
               <a:pPr/>
-              <a:t>2020/5/28</a:t>
+              <a:t>2020/5/30</a:t>
             </a:fld>
             <a:endParaRPr lang="zh-TW" altLang="en-US"/>
           </a:p>
@@ -5373,7 +5377,7 @@
             <a:fld id="{C389EDC9-19E3-47AC-9C57-C6A24DEA81AD}" type="datetime1">
               <a:rPr lang="zh-TW" altLang="en-US" smtClean="0"/>
               <a:pPr/>
-              <a:t>2020/5/28</a:t>
+              <a:t>2020/5/30</a:t>
             </a:fld>
             <a:endParaRPr lang="zh-TW" altLang="en-US"/>
           </a:p>
@@ -5687,7 +5691,7 @@
             <a:fld id="{A4F910E6-8D00-4BAF-8C48-9688E0B449D3}" type="datetime1">
               <a:rPr lang="zh-TW" altLang="en-US" smtClean="0"/>
               <a:pPr/>
-              <a:t>2020/5/28</a:t>
+              <a:t>2020/5/30</a:t>
             </a:fld>
             <a:endParaRPr lang="zh-TW" altLang="en-US"/>
           </a:p>
@@ -6072,7 +6076,7 @@
             <a:fld id="{A4F910E6-8D00-4BAF-8C48-9688E0B449D3}" type="datetime1">
               <a:rPr lang="zh-TW" altLang="en-US" smtClean="0"/>
               <a:pPr/>
-              <a:t>2020/5/28</a:t>
+              <a:t>2020/5/30</a:t>
             </a:fld>
             <a:endParaRPr lang="zh-TW" altLang="en-US"/>
           </a:p>
@@ -6530,7 +6534,7 @@
             <a:fld id="{A4F910E6-8D00-4BAF-8C48-9688E0B449D3}" type="datetime1">
               <a:rPr lang="zh-TW" altLang="en-US" smtClean="0"/>
               <a:pPr/>
-              <a:t>2020/5/28</a:t>
+              <a:t>2020/5/30</a:t>
             </a:fld>
             <a:endParaRPr lang="zh-TW" altLang="en-US"/>
           </a:p>
@@ -6883,7 +6887,7 @@
             <a:fld id="{A4F910E6-8D00-4BAF-8C48-9688E0B449D3}" type="datetime1">
               <a:rPr lang="zh-TW" altLang="en-US" smtClean="0"/>
               <a:pPr/>
-              <a:t>2020/5/28</a:t>
+              <a:t>2020/5/30</a:t>
             </a:fld>
             <a:endParaRPr lang="zh-TW" altLang="en-US"/>
           </a:p>
@@ -7500,7 +7504,7 @@
             <a:fld id="{A4F910E6-8D00-4BAF-8C48-9688E0B449D3}" type="datetime1">
               <a:rPr lang="zh-TW" altLang="en-US" smtClean="0"/>
               <a:pPr/>
-              <a:t>2020/5/28</a:t>
+              <a:t>2020/5/30</a:t>
             </a:fld>
             <a:endParaRPr lang="zh-TW" altLang="en-US"/>
           </a:p>
@@ -7671,7 +7675,7 @@
             <a:fld id="{C389EDC9-19E3-47AC-9C57-C6A24DEA81AD}" type="datetime1">
               <a:rPr lang="zh-TW" altLang="en-US" smtClean="0"/>
               <a:pPr/>
-              <a:t>2020/5/28</a:t>
+              <a:t>2020/5/30</a:t>
             </a:fld>
             <a:endParaRPr lang="zh-TW" altLang="en-US"/>
           </a:p>
@@ -8001,7 +8005,7 @@
             <a:fld id="{A4F910E6-8D00-4BAF-8C48-9688E0B449D3}" type="datetime1">
               <a:rPr lang="zh-TW" altLang="en-US" smtClean="0"/>
               <a:pPr/>
-              <a:t>2020/5/28</a:t>
+              <a:t>2020/5/30</a:t>
             </a:fld>
             <a:endParaRPr lang="zh-TW" altLang="en-US"/>
           </a:p>
@@ -8354,7 +8358,7 @@
             <a:fld id="{A4F910E6-8D00-4BAF-8C48-9688E0B449D3}" type="datetime1">
               <a:rPr lang="zh-TW" altLang="en-US" smtClean="0"/>
               <a:pPr/>
-              <a:t>2020/5/28</a:t>
+              <a:t>2020/5/30</a:t>
             </a:fld>
             <a:endParaRPr lang="zh-TW" altLang="en-US"/>
           </a:p>
@@ -8560,7 +8564,7 @@
             <a:fld id="{C389EDC9-19E3-47AC-9C57-C6A24DEA81AD}" type="datetime1">
               <a:rPr lang="zh-TW" altLang="en-US" smtClean="0"/>
               <a:pPr/>
-              <a:t>2020/5/28</a:t>
+              <a:t>2020/5/30</a:t>
             </a:fld>
             <a:endParaRPr lang="zh-TW" altLang="en-US"/>
           </a:p>
@@ -8880,7 +8884,7 @@
             <a:fld id="{A4F910E6-8D00-4BAF-8C48-9688E0B449D3}" type="datetime1">
               <a:rPr lang="zh-TW" altLang="en-US" smtClean="0"/>
               <a:pPr/>
-              <a:t>2020/5/28</a:t>
+              <a:t>2020/5/30</a:t>
             </a:fld>
             <a:endParaRPr lang="zh-TW" altLang="en-US"/>
           </a:p>
@@ -8990,32 +8994,9 @@
             <a:off x="0" y="2130425"/>
             <a:ext cx="9144000" cy="1470025"/>
           </a:xfrm>
-          <a:gradFill flip="none" rotWithShape="1">
-            <a:gsLst>
-              <a:gs pos="0">
-                <a:srgbClr val="00B0F0">
-                  <a:shade val="30000"/>
-                  <a:satMod val="115000"/>
-                </a:srgbClr>
-              </a:gs>
-              <a:gs pos="50000">
-                <a:srgbClr val="00B0F0">
-                  <a:shade val="67500"/>
-                  <a:satMod val="115000"/>
-                </a:srgbClr>
-              </a:gs>
-              <a:gs pos="100000">
-                <a:srgbClr val="00B0F0">
-                  <a:shade val="100000"/>
-                  <a:satMod val="115000"/>
-                </a:srgbClr>
-              </a:gs>
-            </a:gsLst>
-            <a:path path="circle">
-              <a:fillToRect t="100000" r="100000"/>
-            </a:path>
-            <a:tileRect l="-100000" b="-100000"/>
-          </a:gradFill>
+          <a:solidFill>
+            <a:srgbClr val="00B0F0"/>
+          </a:solidFill>
         </p:spPr>
         <p:txBody>
           <a:bodyPr>
@@ -9024,14 +9005,14 @@
           <a:lstStyle/>
           <a:p>
             <a:r>
-              <a:rPr lang="en-US" altLang="zh-TW" sz="6000" b="1" dirty="0">
+              <a:rPr lang="en-US" altLang="zh-TW" sz="4800" b="1" dirty="0">
                 <a:solidFill>
                   <a:srgbClr val="FFFF00"/>
                 </a:solidFill>
               </a:rPr>
-              <a:t>End of Chapter</a:t>
-            </a:r>
-            <a:endParaRPr lang="zh-TW" altLang="en-US" sz="6000" b="1" dirty="0">
+              <a:t>15.6 Quiz</a:t>
+            </a:r>
+            <a:endParaRPr lang="zh-TW" altLang="en-US" sz="4800" b="1" dirty="0">
               <a:solidFill>
                 <a:srgbClr val="FFFF00"/>
               </a:solidFill>
@@ -9054,10 +9035,10 @@
           <a:bodyPr/>
           <a:lstStyle/>
           <a:p>
-            <a:fld id="{4E46BE27-E923-4EC2-B046-3272AE2A3E5C}" type="datetime1">
+            <a:fld id="{C389EDC9-19E3-47AC-9C57-C6A24DEA81AD}" type="datetime1">
               <a:rPr lang="zh-TW" altLang="en-US" smtClean="0"/>
               <a:pPr/>
-              <a:t>2020/5/28</a:t>
+              <a:t>2020/5/30</a:t>
             </a:fld>
             <a:endParaRPr lang="zh-TW" altLang="en-US"/>
           </a:p>
@@ -9087,7 +9068,42 @@
           </a:p>
         </p:txBody>
       </p:sp>
+      <p:pic>
+        <p:nvPicPr>
+          <p:cNvPr id="7" name="Picture 6">
+            <a:extLst>
+              <a:ext uri="{FF2B5EF4-FFF2-40B4-BE49-F238E27FC236}">
+                <a16:creationId xmlns:a16="http://schemas.microsoft.com/office/drawing/2014/main" id="{6036082F-9FF3-4FD3-AAB6-79929EA80D69}"/>
+              </a:ext>
+            </a:extLst>
+          </p:cNvPr>
+          <p:cNvPicPr>
+            <a:picLocks noChangeAspect="1"/>
+          </p:cNvPicPr>
+          <p:nvPr/>
+        </p:nvPicPr>
+        <p:blipFill>
+          <a:blip r:embed="rId2"/>
+          <a:stretch>
+            <a:fillRect/>
+          </a:stretch>
+        </p:blipFill>
+        <p:spPr>
+          <a:xfrm>
+            <a:off x="3995936" y="3646102"/>
+            <a:ext cx="833859" cy="989784"/>
+          </a:xfrm>
+          <a:prstGeom prst="rect">
+            <a:avLst/>
+          </a:prstGeom>
+        </p:spPr>
+      </p:pic>
     </p:spTree>
+    <p:extLst>
+      <p:ext uri="{BB962C8B-B14F-4D97-AF65-F5344CB8AC3E}">
+        <p14:creationId xmlns:p14="http://schemas.microsoft.com/office/powerpoint/2010/main" val="3937600539"/>
+      </p:ext>
+    </p:extLst>
   </p:cSld>
   <p:clrMapOvr>
     <a:masterClrMapping/>
@@ -9095,7 +9111,7 @@
 </p:sld>
 </file>
 
-<file path=ppt/slides/slide3.xml><?xml version="1.0" encoding="utf-8"?>
+<file path=ppt/slides/slide26.xml><?xml version="1.0" encoding="utf-8"?>
 <p:sld xmlns:a="http://schemas.openxmlformats.org/drawingml/2006/main" xmlns:r="http://schemas.openxmlformats.org/officeDocument/2006/relationships" xmlns:p="http://schemas.openxmlformats.org/presentationml/2006/main">
   <p:cSld>
     <p:spTree>
@@ -9167,7 +9183,7 @@
                   <a:srgbClr val="FFFF00"/>
                 </a:solidFill>
               </a:rPr>
-              <a:t>15 Extract Transform Load (Part 2)</a:t>
+              <a:t>15.6 Quiz</a:t>
             </a:r>
             <a:endParaRPr lang="zh-TW" altLang="en-US" b="1" dirty="0">
               <a:solidFill>
@@ -9189,8 +9205,8 @@
         </p:nvSpPr>
         <p:spPr>
           <a:xfrm>
-            <a:off x="457200" y="1325449"/>
-            <a:ext cx="8352928" cy="4119775"/>
+            <a:off x="457200" y="1325450"/>
+            <a:ext cx="1090464" cy="360040"/>
           </a:xfrm>
           <a:ln>
             <a:solidFill>
@@ -9218,167 +9234,7 @@
                   <a:schemeClr val="tx1"/>
                 </a:solidFill>
               </a:rPr>
-              <a:t>ETL (Extract Transform Load)</a:t>
-            </a:r>
-          </a:p>
-          <a:p>
-            <a:pPr marL="342900" indent="-342900" algn="l">
-              <a:buClr>
-                <a:srgbClr val="0070C0"/>
-              </a:buClr>
-              <a:buSzPct val="80000"/>
-              <a:buFont typeface="Wingdings" pitchFamily="2" charset="2"/>
-              <a:buChar char="u"/>
-            </a:pPr>
-            <a:r>
-              <a:rPr lang="en-US" sz="1800" dirty="0">
-                <a:solidFill>
-                  <a:schemeClr val="tx1"/>
-                </a:solidFill>
-              </a:rPr>
-              <a:t>This ETL process can be thought of as a fractal (broken) process and this is because it can be applied on various scales. </a:t>
-            </a:r>
-          </a:p>
-          <a:p>
-            <a:pPr marL="342900" indent="-342900" algn="l">
-              <a:buClr>
-                <a:srgbClr val="0070C0"/>
-              </a:buClr>
-              <a:buSzPct val="80000"/>
-              <a:buFont typeface="Wingdings" pitchFamily="2" charset="2"/>
-              <a:buChar char="u"/>
-            </a:pPr>
-            <a:r>
-              <a:rPr lang="en-US" sz="1800" dirty="0">
-                <a:solidFill>
-                  <a:schemeClr val="tx1"/>
-                </a:solidFill>
-              </a:rPr>
-              <a:t>The ETL process can be used on small scale (single program) or on a large scale (all the way up the enterprise level) where there are huge systems handling each of the individual parts.</a:t>
-            </a:r>
-          </a:p>
-          <a:p>
-            <a:pPr marL="342900" indent="-342900" algn="l">
-              <a:buClr>
-                <a:srgbClr val="0070C0"/>
-              </a:buClr>
-              <a:buSzPct val="80000"/>
-              <a:buFont typeface="Wingdings" pitchFamily="2" charset="2"/>
-              <a:buChar char="u"/>
-            </a:pPr>
-            <a:r>
-              <a:rPr lang="en-US" sz="1800" dirty="0">
-                <a:solidFill>
-                  <a:schemeClr val="tx1"/>
-                </a:solidFill>
-              </a:rPr>
-              <a:t>The data science discuss the general data science pipeline.</a:t>
-            </a:r>
-          </a:p>
-          <a:p>
-            <a:pPr marL="342900" indent="-342900" algn="l">
-              <a:buClr>
-                <a:srgbClr val="0070C0"/>
-              </a:buClr>
-              <a:buSzPct val="80000"/>
-              <a:buFont typeface="Wingdings" pitchFamily="2" charset="2"/>
-              <a:buChar char="u"/>
-            </a:pPr>
-            <a:r>
-              <a:rPr lang="en-US" sz="1800" dirty="0">
-                <a:solidFill>
-                  <a:schemeClr val="tx1"/>
-                </a:solidFill>
-              </a:rPr>
-              <a:t>Once we completed the ETL process, we are ready to build and train the deep learning model.</a:t>
-            </a:r>
-          </a:p>
-          <a:p>
-            <a:pPr marL="342900" indent="-342900" algn="l">
-              <a:buClr>
-                <a:srgbClr val="0070C0"/>
-              </a:buClr>
-              <a:buSzPct val="80000"/>
-              <a:buFont typeface="Wingdings" pitchFamily="2" charset="2"/>
-              <a:buChar char="u"/>
-            </a:pPr>
-            <a:r>
-              <a:rPr lang="en-US" sz="1800" dirty="0">
-                <a:solidFill>
-                  <a:schemeClr val="tx1"/>
-                </a:solidFill>
-              </a:rPr>
-              <a:t>The PyTorch has built-in packages and classes that make the ETL very easy.</a:t>
-            </a:r>
-          </a:p>
-          <a:p>
-            <a:pPr marL="342900" indent="-342900" algn="l">
-              <a:buClr>
-                <a:srgbClr val="0070C0"/>
-              </a:buClr>
-              <a:buSzPct val="80000"/>
-              <a:buFont typeface="Wingdings" pitchFamily="2" charset="2"/>
-              <a:buChar char="u"/>
-            </a:pPr>
-            <a:r>
-              <a:rPr lang="en-US" sz="1800" dirty="0">
-                <a:solidFill>
-                  <a:schemeClr val="tx1"/>
-                </a:solidFill>
-              </a:rPr>
-              <a:t>&gt; import torch</a:t>
-            </a:r>
-          </a:p>
-          <a:p>
-            <a:pPr marL="342900" indent="-342900" algn="l">
-              <a:buClr>
-                <a:srgbClr val="0070C0"/>
-              </a:buClr>
-              <a:buSzPct val="80000"/>
-              <a:buFont typeface="Wingdings" pitchFamily="2" charset="2"/>
-              <a:buChar char="u"/>
-            </a:pPr>
-            <a:r>
-              <a:rPr lang="en-US" sz="1800" dirty="0">
-                <a:solidFill>
-                  <a:schemeClr val="tx1"/>
-                </a:solidFill>
-              </a:rPr>
-              <a:t>&gt; import torchvision</a:t>
-            </a:r>
-          </a:p>
-          <a:p>
-            <a:pPr marL="342900" indent="-342900" algn="l">
-              <a:buClr>
-                <a:srgbClr val="0070C0"/>
-              </a:buClr>
-              <a:buSzPct val="80000"/>
-              <a:buFont typeface="Wingdings" pitchFamily="2" charset="2"/>
-              <a:buChar char="u"/>
-            </a:pPr>
-            <a:r>
-              <a:rPr lang="en-US" sz="1800" dirty="0">
-                <a:solidFill>
-                  <a:schemeClr val="tx1"/>
-                </a:solidFill>
-              </a:rPr>
-              <a:t>&gt; import </a:t>
-            </a:r>
-            <a:r>
-              <a:rPr lang="en-US" sz="1800" dirty="0" err="1">
-                <a:solidFill>
-                  <a:schemeClr val="tx1"/>
-                </a:solidFill>
-              </a:rPr>
-              <a:t>torchvision.transforms</a:t>
-            </a:r>
-            <a:r>
-              <a:rPr lang="en-US" sz="1800" dirty="0">
-                <a:solidFill>
-                  <a:schemeClr val="tx1"/>
-                </a:solidFill>
-              </a:rPr>
-              <a:t> as transforms</a:t>
+              <a:t>Quiz</a:t>
             </a:r>
           </a:p>
         </p:txBody>
@@ -9478,7 +9334,7 @@
             <a:fld id="{A4F910E6-8D00-4BAF-8C48-9688E0B449D3}" type="datetime1">
               <a:rPr lang="zh-TW" altLang="en-US" smtClean="0"/>
               <a:pPr/>
-              <a:t>2020/5/28</a:t>
+              <a:t>2020/5/30</a:t>
             </a:fld>
             <a:endParaRPr lang="zh-TW" altLang="en-US"/>
           </a:p>
@@ -9502,16 +9358,51 @@
             <a:fld id="{E4D7E63D-91F2-4366-A2C4-1B00C9E2590E}" type="slidenum">
               <a:rPr lang="zh-TW" altLang="en-US" smtClean="0"/>
               <a:pPr/>
-              <a:t>3</a:t>
+              <a:t>26</a:t>
             </a:fld>
             <a:endParaRPr lang="zh-TW" altLang="en-US"/>
           </a:p>
         </p:txBody>
       </p:sp>
+      <p:pic>
+        <p:nvPicPr>
+          <p:cNvPr id="7" name="Picture 6">
+            <a:extLst>
+              <a:ext uri="{FF2B5EF4-FFF2-40B4-BE49-F238E27FC236}">
+                <a16:creationId xmlns:a16="http://schemas.microsoft.com/office/drawing/2014/main" id="{702FC270-B0C8-47C5-BAF6-5407029DB980}"/>
+              </a:ext>
+            </a:extLst>
+          </p:cNvPr>
+          <p:cNvPicPr>
+            <a:picLocks noChangeAspect="1"/>
+          </p:cNvPicPr>
+          <p:nvPr/>
+        </p:nvPicPr>
+        <p:blipFill>
+          <a:blip r:embed="rId3"/>
+          <a:stretch>
+            <a:fillRect/>
+          </a:stretch>
+        </p:blipFill>
+        <p:spPr>
+          <a:xfrm>
+            <a:off x="1907704" y="1292723"/>
+            <a:ext cx="6553200" cy="4086225"/>
+          </a:xfrm>
+          <a:prstGeom prst="rect">
+            <a:avLst/>
+          </a:prstGeom>
+          <a:ln>
+            <a:solidFill>
+              <a:srgbClr val="C00000"/>
+            </a:solidFill>
+          </a:ln>
+        </p:spPr>
+      </p:pic>
     </p:spTree>
     <p:extLst>
       <p:ext uri="{BB962C8B-B14F-4D97-AF65-F5344CB8AC3E}">
-        <p14:creationId xmlns:p14="http://schemas.microsoft.com/office/powerpoint/2010/main" val="836325760"/>
+        <p14:creationId xmlns:p14="http://schemas.microsoft.com/office/powerpoint/2010/main" val="610918928"/>
       </p:ext>
     </p:extLst>
   </p:cSld>
@@ -9521,7 +9412,7 @@
 </p:sld>
 </file>
 
-<file path=ppt/slides/slide4.xml><?xml version="1.0" encoding="utf-8"?>
+<file path=ppt/slides/slide27.xml><?xml version="1.0" encoding="utf-8"?>
 <p:sld xmlns:a="http://schemas.openxmlformats.org/drawingml/2006/main" xmlns:r="http://schemas.openxmlformats.org/officeDocument/2006/relationships" xmlns:p="http://schemas.openxmlformats.org/presentationml/2006/main">
   <p:cSld>
     <p:spTree>
@@ -9593,7 +9484,7 @@
                   <a:srgbClr val="FFFF00"/>
                 </a:solidFill>
               </a:rPr>
-              <a:t>15 Extract Transform Load (Part 2)</a:t>
+              <a:t>15.6 Quiz</a:t>
             </a:r>
             <a:endParaRPr lang="zh-TW" altLang="en-US" b="1" dirty="0">
               <a:solidFill>
@@ -9615,8 +9506,8 @@
         </p:nvSpPr>
         <p:spPr>
           <a:xfrm>
-            <a:off x="457200" y="1325449"/>
-            <a:ext cx="8352928" cy="2463591"/>
+            <a:off x="457200" y="1325450"/>
+            <a:ext cx="1090464" cy="360040"/>
           </a:xfrm>
           <a:ln>
             <a:solidFill>
@@ -9644,133 +9535,7 @@
                   <a:schemeClr val="tx1"/>
                 </a:solidFill>
               </a:rPr>
-              <a:t>ETL (Extract Transform Load)</a:t>
-            </a:r>
-          </a:p>
-          <a:p>
-            <a:pPr marL="342900" indent="-342900" algn="l">
-              <a:buClr>
-                <a:srgbClr val="0070C0"/>
-              </a:buClr>
-              <a:buSzPct val="80000"/>
-              <a:buFont typeface="Wingdings" pitchFamily="2" charset="2"/>
-              <a:buChar char="u"/>
-            </a:pPr>
-            <a:r>
-              <a:rPr lang="en-US" sz="1800" dirty="0">
-                <a:solidFill>
-                  <a:schemeClr val="tx1"/>
-                </a:solidFill>
-              </a:rPr>
-              <a:t>The </a:t>
-            </a:r>
-            <a:r>
-              <a:rPr lang="en-US" sz="1800" b="1" dirty="0">
-                <a:solidFill>
-                  <a:schemeClr val="tx1"/>
-                </a:solidFill>
-              </a:rPr>
-              <a:t>torch</a:t>
-            </a:r>
-            <a:r>
-              <a:rPr lang="en-US" sz="1800" dirty="0">
-                <a:solidFill>
-                  <a:schemeClr val="tx1"/>
-                </a:solidFill>
-              </a:rPr>
-              <a:t> is the top-level PyTorch package.</a:t>
-            </a:r>
-          </a:p>
-          <a:p>
-            <a:pPr marL="342900" indent="-342900" algn="l">
-              <a:buClr>
-                <a:srgbClr val="0070C0"/>
-              </a:buClr>
-              <a:buSzPct val="80000"/>
-              <a:buFont typeface="Wingdings" pitchFamily="2" charset="2"/>
-              <a:buChar char="u"/>
-            </a:pPr>
-            <a:r>
-              <a:rPr lang="en-US" sz="1800" dirty="0">
-                <a:solidFill>
-                  <a:schemeClr val="tx1"/>
-                </a:solidFill>
-              </a:rPr>
-              <a:t>The </a:t>
-            </a:r>
-            <a:r>
-              <a:rPr lang="en-US" sz="1800" b="1" dirty="0">
-                <a:solidFill>
-                  <a:schemeClr val="tx1"/>
-                </a:solidFill>
-              </a:rPr>
-              <a:t>torchvision</a:t>
-            </a:r>
-            <a:r>
-              <a:rPr lang="en-US" sz="1800" dirty="0">
-                <a:solidFill>
-                  <a:schemeClr val="tx1"/>
-                </a:solidFill>
-              </a:rPr>
-              <a:t> is a package that provide access to popular dataset model architecture and image transformation. For compute vision, torchvision is PyTorch package for this but it does some as a separate install.</a:t>
-            </a:r>
-          </a:p>
-          <a:p>
-            <a:pPr marL="342900" indent="-342900" algn="l">
-              <a:buClr>
-                <a:srgbClr val="0070C0"/>
-              </a:buClr>
-              <a:buSzPct val="80000"/>
-              <a:buFont typeface="Wingdings" pitchFamily="2" charset="2"/>
-              <a:buChar char="u"/>
-            </a:pPr>
-            <a:r>
-              <a:rPr lang="en-US" sz="1800" dirty="0">
-                <a:solidFill>
-                  <a:schemeClr val="tx1"/>
-                </a:solidFill>
-              </a:rPr>
-              <a:t>The </a:t>
-            </a:r>
-            <a:r>
-              <a:rPr lang="en-US" sz="1800" b="1" dirty="0" err="1">
-                <a:solidFill>
-                  <a:schemeClr val="tx1"/>
-                </a:solidFill>
-              </a:rPr>
-              <a:t>torchvision.transforms</a:t>
-            </a:r>
-            <a:r>
-              <a:rPr lang="en-US" sz="1800" b="1" dirty="0">
-                <a:solidFill>
-                  <a:schemeClr val="tx1"/>
-                </a:solidFill>
-              </a:rPr>
-              <a:t> </a:t>
-            </a:r>
-            <a:r>
-              <a:rPr lang="en-US" sz="1800" dirty="0">
-                <a:solidFill>
-                  <a:schemeClr val="tx1"/>
-                </a:solidFill>
-              </a:rPr>
-              <a:t>is an interface that gives us access to common transformation for image processing. The </a:t>
-            </a:r>
-            <a:r>
-              <a:rPr lang="en-US" sz="1800" dirty="0" err="1">
-                <a:solidFill>
-                  <a:schemeClr val="tx1"/>
-                </a:solidFill>
-              </a:rPr>
-              <a:t>torchivision.transforms</a:t>
-            </a:r>
-            <a:r>
-              <a:rPr lang="en-US" sz="1800" dirty="0">
-                <a:solidFill>
-                  <a:schemeClr val="tx1"/>
-                </a:solidFill>
-              </a:rPr>
-              <a:t> is inside the torchvision package. </a:t>
+              <a:t>Quiz</a:t>
             </a:r>
           </a:p>
         </p:txBody>
@@ -9870,7 +9635,7 @@
             <a:fld id="{A4F910E6-8D00-4BAF-8C48-9688E0B449D3}" type="datetime1">
               <a:rPr lang="zh-TW" altLang="en-US" smtClean="0"/>
               <a:pPr/>
-              <a:t>2020/5/28</a:t>
+              <a:t>2020/5/30</a:t>
             </a:fld>
             <a:endParaRPr lang="zh-TW" altLang="en-US"/>
           </a:p>
@@ -9894,16 +9659,51 @@
             <a:fld id="{E4D7E63D-91F2-4366-A2C4-1B00C9E2590E}" type="slidenum">
               <a:rPr lang="zh-TW" altLang="en-US" smtClean="0"/>
               <a:pPr/>
-              <a:t>4</a:t>
+              <a:t>27</a:t>
             </a:fld>
             <a:endParaRPr lang="zh-TW" altLang="en-US"/>
           </a:p>
         </p:txBody>
       </p:sp>
+      <p:pic>
+        <p:nvPicPr>
+          <p:cNvPr id="8" name="Picture 7">
+            <a:extLst>
+              <a:ext uri="{FF2B5EF4-FFF2-40B4-BE49-F238E27FC236}">
+                <a16:creationId xmlns:a16="http://schemas.microsoft.com/office/drawing/2014/main" id="{CC9B9B50-212A-43C9-B66D-C77337F616C4}"/>
+              </a:ext>
+            </a:extLst>
+          </p:cNvPr>
+          <p:cNvPicPr>
+            <a:picLocks noChangeAspect="1"/>
+          </p:cNvPicPr>
+          <p:nvPr/>
+        </p:nvPicPr>
+        <p:blipFill>
+          <a:blip r:embed="rId3"/>
+          <a:stretch>
+            <a:fillRect/>
+          </a:stretch>
+        </p:blipFill>
+        <p:spPr>
+          <a:xfrm>
+            <a:off x="1924050" y="1268760"/>
+            <a:ext cx="6762750" cy="3876675"/>
+          </a:xfrm>
+          <a:prstGeom prst="rect">
+            <a:avLst/>
+          </a:prstGeom>
+          <a:ln>
+            <a:solidFill>
+              <a:srgbClr val="C00000"/>
+            </a:solidFill>
+          </a:ln>
+        </p:spPr>
+      </p:pic>
     </p:spTree>
     <p:extLst>
       <p:ext uri="{BB962C8B-B14F-4D97-AF65-F5344CB8AC3E}">
-        <p14:creationId xmlns:p14="http://schemas.microsoft.com/office/powerpoint/2010/main" val="488388679"/>
+        <p14:creationId xmlns:p14="http://schemas.microsoft.com/office/powerpoint/2010/main" val="2060928442"/>
       </p:ext>
     </p:extLst>
   </p:cSld>
@@ -9913,7 +9713,7 @@
 </p:sld>
 </file>
 
-<file path=ppt/slides/slide5.xml><?xml version="1.0" encoding="utf-8"?>
+<file path=ppt/slides/slide28.xml><?xml version="1.0" encoding="utf-8"?>
 <p:sld xmlns:a="http://schemas.openxmlformats.org/drawingml/2006/main" xmlns:r="http://schemas.openxmlformats.org/officeDocument/2006/relationships" xmlns:p="http://schemas.openxmlformats.org/presentationml/2006/main">
   <p:cSld>
     <p:spTree>
@@ -9985,7 +9785,7 @@
                   <a:srgbClr val="FFFF00"/>
                 </a:solidFill>
               </a:rPr>
-              <a:t>15 Extract Transform Load (Part 2)</a:t>
+              <a:t>15.6 Quiz</a:t>
             </a:r>
             <a:endParaRPr lang="zh-TW" altLang="en-US" b="1" dirty="0">
               <a:solidFill>
@@ -10007,8 +9807,8 @@
         </p:nvSpPr>
         <p:spPr>
           <a:xfrm>
-            <a:off x="457200" y="1325449"/>
-            <a:ext cx="8352928" cy="1743511"/>
+            <a:off x="457200" y="1325450"/>
+            <a:ext cx="1090464" cy="360040"/>
           </a:xfrm>
           <a:ln>
             <a:solidFill>
@@ -10036,127 +9836,7 @@
                   <a:schemeClr val="tx1"/>
                 </a:solidFill>
               </a:rPr>
-              <a:t>Prepare the data using PyTorch</a:t>
-            </a:r>
-          </a:p>
-          <a:p>
-            <a:pPr marL="342900" indent="-342900" algn="l">
-              <a:buClr>
-                <a:srgbClr val="0070C0"/>
-              </a:buClr>
-              <a:buSzPct val="80000"/>
-              <a:buFont typeface="+mj-lt"/>
-              <a:buAutoNum type="arabicPeriod"/>
-            </a:pPr>
-            <a:r>
-              <a:rPr lang="en-US" sz="1800" dirty="0">
-                <a:solidFill>
-                  <a:schemeClr val="tx1"/>
-                </a:solidFill>
-              </a:rPr>
-              <a:t>Extract: Get the </a:t>
-            </a:r>
-            <a:r>
-              <a:rPr lang="en-US" sz="1800" b="1" dirty="0">
-                <a:solidFill>
-                  <a:schemeClr val="tx1"/>
-                </a:solidFill>
-              </a:rPr>
-              <a:t>Fashion-MNIST</a:t>
-            </a:r>
-            <a:r>
-              <a:rPr lang="en-US" sz="1800" dirty="0">
-                <a:solidFill>
-                  <a:schemeClr val="tx1"/>
-                </a:solidFill>
-              </a:rPr>
-              <a:t> image data from the source.</a:t>
-            </a:r>
-          </a:p>
-          <a:p>
-            <a:pPr marL="342900" indent="-342900" algn="l">
-              <a:buClr>
-                <a:srgbClr val="0070C0"/>
-              </a:buClr>
-              <a:buSzPct val="80000"/>
-              <a:buFont typeface="+mj-lt"/>
-              <a:buAutoNum type="arabicPeriod"/>
-            </a:pPr>
-            <a:r>
-              <a:rPr lang="en-US" sz="1800" dirty="0">
-                <a:solidFill>
-                  <a:schemeClr val="tx1"/>
-                </a:solidFill>
-              </a:rPr>
-              <a:t>Transform: Put our data into PyTorch </a:t>
-            </a:r>
-            <a:r>
-              <a:rPr lang="en-US" sz="1800" b="1" dirty="0">
-                <a:solidFill>
-                  <a:schemeClr val="tx1"/>
-                </a:solidFill>
-              </a:rPr>
-              <a:t>tensor</a:t>
-            </a:r>
-            <a:r>
-              <a:rPr lang="en-US" sz="1800" dirty="0">
-                <a:solidFill>
-                  <a:schemeClr val="tx1"/>
-                </a:solidFill>
-              </a:rPr>
-              <a:t> form. </a:t>
-            </a:r>
-          </a:p>
-          <a:p>
-            <a:pPr marL="342900" indent="-342900" algn="l">
-              <a:buClr>
-                <a:srgbClr val="0070C0"/>
-              </a:buClr>
-              <a:buSzPct val="80000"/>
-              <a:buFont typeface="+mj-lt"/>
-              <a:buAutoNum type="arabicPeriod"/>
-            </a:pPr>
-            <a:r>
-              <a:rPr lang="en-US" sz="1800" dirty="0">
-                <a:solidFill>
-                  <a:schemeClr val="tx1"/>
-                </a:solidFill>
-              </a:rPr>
-              <a:t>Load: Put the data into </a:t>
-            </a:r>
-            <a:r>
-              <a:rPr lang="en-US" sz="1800" b="1" dirty="0">
-                <a:solidFill>
-                  <a:schemeClr val="tx1"/>
-                </a:solidFill>
-              </a:rPr>
-              <a:t>an object </a:t>
-            </a:r>
-            <a:r>
-              <a:rPr lang="en-US" sz="1800" dirty="0">
-                <a:solidFill>
-                  <a:schemeClr val="tx1"/>
-                </a:solidFill>
-              </a:rPr>
-              <a:t>to make easily accessible.</a:t>
-            </a:r>
-          </a:p>
-          <a:p>
-            <a:pPr marL="342900" indent="-342900" algn="l">
-              <a:buClr>
-                <a:srgbClr val="0070C0"/>
-              </a:buClr>
-              <a:buSzPct val="80000"/>
-              <a:buFont typeface="Wingdings" pitchFamily="2" charset="2"/>
-              <a:buChar char="u"/>
-            </a:pPr>
-            <a:r>
-              <a:rPr lang="en-US" sz="1800" dirty="0">
-                <a:solidFill>
-                  <a:schemeClr val="tx1"/>
-                </a:solidFill>
-              </a:rPr>
-              <a:t>For these purpose, PyTorch gives us two classes data.</a:t>
+              <a:t>Quiz</a:t>
             </a:r>
           </a:p>
         </p:txBody>
@@ -10256,7 +9936,1399 @@
             <a:fld id="{A4F910E6-8D00-4BAF-8C48-9688E0B449D3}" type="datetime1">
               <a:rPr lang="zh-TW" altLang="en-US" smtClean="0"/>
               <a:pPr/>
-              <a:t>2020/5/28</a:t>
+              <a:t>2020/5/30</a:t>
+            </a:fld>
+            <a:endParaRPr lang="zh-TW" altLang="en-US"/>
+          </a:p>
+        </p:txBody>
+      </p:sp>
+      <p:sp>
+        <p:nvSpPr>
+          <p:cNvPr id="6" name="投影片編號版面配置區 5"/>
+          <p:cNvSpPr>
+            <a:spLocks noGrp="1"/>
+          </p:cNvSpPr>
+          <p:nvPr>
+            <p:ph type="sldNum" sz="quarter" idx="12"/>
+          </p:nvPr>
+        </p:nvSpPr>
+        <p:spPr/>
+        <p:txBody>
+          <a:bodyPr/>
+          <a:lstStyle/>
+          <a:p>
+            <a:fld id="{E4D7E63D-91F2-4366-A2C4-1B00C9E2590E}" type="slidenum">
+              <a:rPr lang="zh-TW" altLang="en-US" smtClean="0"/>
+              <a:pPr/>
+              <a:t>28</a:t>
+            </a:fld>
+            <a:endParaRPr lang="zh-TW" altLang="en-US"/>
+          </a:p>
+        </p:txBody>
+      </p:sp>
+      <p:pic>
+        <p:nvPicPr>
+          <p:cNvPr id="7" name="Picture 6">
+            <a:extLst>
+              <a:ext uri="{FF2B5EF4-FFF2-40B4-BE49-F238E27FC236}">
+                <a16:creationId xmlns:a16="http://schemas.microsoft.com/office/drawing/2014/main" id="{495042A1-F292-4911-9626-10B62FBFA23B}"/>
+              </a:ext>
+            </a:extLst>
+          </p:cNvPr>
+          <p:cNvPicPr>
+            <a:picLocks noChangeAspect="1"/>
+          </p:cNvPicPr>
+          <p:nvPr/>
+        </p:nvPicPr>
+        <p:blipFill>
+          <a:blip r:embed="rId3"/>
+          <a:stretch>
+            <a:fillRect/>
+          </a:stretch>
+        </p:blipFill>
+        <p:spPr>
+          <a:xfrm>
+            <a:off x="1691680" y="1347429"/>
+            <a:ext cx="6791325" cy="4448175"/>
+          </a:xfrm>
+          <a:prstGeom prst="rect">
+            <a:avLst/>
+          </a:prstGeom>
+          <a:ln>
+            <a:solidFill>
+              <a:srgbClr val="C00000"/>
+            </a:solidFill>
+          </a:ln>
+        </p:spPr>
+      </p:pic>
+    </p:spTree>
+    <p:extLst>
+      <p:ext uri="{BB962C8B-B14F-4D97-AF65-F5344CB8AC3E}">
+        <p14:creationId xmlns:p14="http://schemas.microsoft.com/office/powerpoint/2010/main" val="532775089"/>
+      </p:ext>
+    </p:extLst>
+  </p:cSld>
+  <p:clrMapOvr>
+    <a:masterClrMapping/>
+  </p:clrMapOvr>
+</p:sld>
+</file>
+
+<file path=ppt/slides/slide29.xml><?xml version="1.0" encoding="utf-8"?>
+<p:sld xmlns:a="http://schemas.openxmlformats.org/drawingml/2006/main" xmlns:r="http://schemas.openxmlformats.org/officeDocument/2006/relationships" xmlns:p="http://schemas.openxmlformats.org/presentationml/2006/main">
+  <p:cSld>
+    <p:spTree>
+      <p:nvGrpSpPr>
+        <p:cNvPr id="1" name=""/>
+        <p:cNvGrpSpPr/>
+        <p:nvPr/>
+      </p:nvGrpSpPr>
+      <p:grpSpPr>
+        <a:xfrm>
+          <a:off x="0" y="0"/>
+          <a:ext cx="0" cy="0"/>
+          <a:chOff x="0" y="0"/>
+          <a:chExt cx="0" cy="0"/>
+        </a:xfrm>
+      </p:grpSpPr>
+      <p:sp>
+        <p:nvSpPr>
+          <p:cNvPr id="2" name="標題 1"/>
+          <p:cNvSpPr>
+            <a:spLocks noGrp="1"/>
+          </p:cNvSpPr>
+          <p:nvPr>
+            <p:ph type="ctrTitle"/>
+          </p:nvPr>
+        </p:nvSpPr>
+        <p:spPr>
+          <a:xfrm>
+            <a:off x="0" y="2130425"/>
+            <a:ext cx="9144000" cy="1470025"/>
+          </a:xfrm>
+          <a:gradFill flip="none" rotWithShape="1">
+            <a:gsLst>
+              <a:gs pos="0">
+                <a:srgbClr val="00B0F0">
+                  <a:shade val="30000"/>
+                  <a:satMod val="115000"/>
+                </a:srgbClr>
+              </a:gs>
+              <a:gs pos="50000">
+                <a:srgbClr val="00B0F0">
+                  <a:shade val="67500"/>
+                  <a:satMod val="115000"/>
+                </a:srgbClr>
+              </a:gs>
+              <a:gs pos="100000">
+                <a:srgbClr val="00B0F0">
+                  <a:shade val="100000"/>
+                  <a:satMod val="115000"/>
+                </a:srgbClr>
+              </a:gs>
+            </a:gsLst>
+            <a:path path="circle">
+              <a:fillToRect t="100000" r="100000"/>
+            </a:path>
+            <a:tileRect l="-100000" b="-100000"/>
+          </a:gradFill>
+        </p:spPr>
+        <p:txBody>
+          <a:bodyPr>
+            <a:normAutofit/>
+          </a:bodyPr>
+          <a:lstStyle/>
+          <a:p>
+            <a:r>
+              <a:rPr lang="en-US" altLang="zh-TW" sz="6000" b="1" dirty="0">
+                <a:solidFill>
+                  <a:srgbClr val="FFFF00"/>
+                </a:solidFill>
+              </a:rPr>
+              <a:t>End of Chapter</a:t>
+            </a:r>
+            <a:endParaRPr lang="zh-TW" altLang="en-US" sz="6000" b="1" dirty="0">
+              <a:solidFill>
+                <a:srgbClr val="FFFF00"/>
+              </a:solidFill>
+            </a:endParaRPr>
+          </a:p>
+        </p:txBody>
+      </p:sp>
+      <p:sp>
+        <p:nvSpPr>
+          <p:cNvPr id="5" name="日期版面配置區 4"/>
+          <p:cNvSpPr>
+            <a:spLocks noGrp="1"/>
+          </p:cNvSpPr>
+          <p:nvPr>
+            <p:ph type="dt" sz="half" idx="10"/>
+          </p:nvPr>
+        </p:nvSpPr>
+        <p:spPr/>
+        <p:txBody>
+          <a:bodyPr/>
+          <a:lstStyle/>
+          <a:p>
+            <a:fld id="{4E46BE27-E923-4EC2-B046-3272AE2A3E5C}" type="datetime1">
+              <a:rPr lang="zh-TW" altLang="en-US" smtClean="0"/>
+              <a:pPr/>
+              <a:t>2020/5/30</a:t>
+            </a:fld>
+            <a:endParaRPr lang="zh-TW" altLang="en-US"/>
+          </a:p>
+        </p:txBody>
+      </p:sp>
+      <p:sp>
+        <p:nvSpPr>
+          <p:cNvPr id="6" name="投影片編號版面配置區 5"/>
+          <p:cNvSpPr>
+            <a:spLocks noGrp="1"/>
+          </p:cNvSpPr>
+          <p:nvPr>
+            <p:ph type="sldNum" sz="quarter" idx="12"/>
+          </p:nvPr>
+        </p:nvSpPr>
+        <p:spPr/>
+        <p:txBody>
+          <a:bodyPr/>
+          <a:lstStyle/>
+          <a:p>
+            <a:fld id="{E4D7E63D-91F2-4366-A2C4-1B00C9E2590E}" type="slidenum">
+              <a:rPr lang="zh-TW" altLang="en-US" smtClean="0"/>
+              <a:pPr/>
+              <a:t>29</a:t>
+            </a:fld>
+            <a:endParaRPr lang="zh-TW" altLang="en-US"/>
+          </a:p>
+        </p:txBody>
+      </p:sp>
+    </p:spTree>
+  </p:cSld>
+  <p:clrMapOvr>
+    <a:masterClrMapping/>
+  </p:clrMapOvr>
+</p:sld>
+</file>
+
+<file path=ppt/slides/slide3.xml><?xml version="1.0" encoding="utf-8"?>
+<p:sld xmlns:a="http://schemas.openxmlformats.org/drawingml/2006/main" xmlns:r="http://schemas.openxmlformats.org/officeDocument/2006/relationships" xmlns:p="http://schemas.openxmlformats.org/presentationml/2006/main">
+  <p:cSld>
+    <p:spTree>
+      <p:nvGrpSpPr>
+        <p:cNvPr id="1" name=""/>
+        <p:cNvGrpSpPr/>
+        <p:nvPr/>
+      </p:nvGrpSpPr>
+      <p:grpSpPr>
+        <a:xfrm>
+          <a:off x="0" y="0"/>
+          <a:ext cx="0" cy="0"/>
+          <a:chOff x="0" y="0"/>
+          <a:chExt cx="0" cy="0"/>
+        </a:xfrm>
+      </p:grpSpPr>
+      <p:sp>
+        <p:nvSpPr>
+          <p:cNvPr id="2" name="標題 1"/>
+          <p:cNvSpPr>
+            <a:spLocks noGrp="1"/>
+          </p:cNvSpPr>
+          <p:nvPr>
+            <p:ph type="ctrTitle"/>
+          </p:nvPr>
+        </p:nvSpPr>
+        <p:spPr>
+          <a:xfrm>
+            <a:off x="0" y="1"/>
+            <a:ext cx="9144000" cy="764704"/>
+          </a:xfrm>
+          <a:gradFill flip="none" rotWithShape="1">
+            <a:gsLst>
+              <a:gs pos="0">
+                <a:srgbClr val="C00000">
+                  <a:shade val="30000"/>
+                  <a:satMod val="115000"/>
+                </a:srgbClr>
+              </a:gs>
+              <a:gs pos="50000">
+                <a:srgbClr val="C00000">
+                  <a:shade val="67500"/>
+                  <a:satMod val="115000"/>
+                </a:srgbClr>
+              </a:gs>
+              <a:gs pos="100000">
+                <a:srgbClr val="C00000">
+                  <a:shade val="100000"/>
+                  <a:satMod val="115000"/>
+                </a:srgbClr>
+              </a:gs>
+            </a:gsLst>
+            <a:path path="circle">
+              <a:fillToRect t="100000" r="100000"/>
+            </a:path>
+            <a:tileRect l="-100000" b="-100000"/>
+          </a:gradFill>
+        </p:spPr>
+        <p:txBody>
+          <a:bodyPr>
+            <a:normAutofit/>
+          </a:bodyPr>
+          <a:lstStyle/>
+          <a:p>
+            <a:pPr algn="l"/>
+            <a:r>
+              <a:rPr lang="en-US" altLang="zh-TW" b="1" dirty="0">
+                <a:solidFill>
+                  <a:srgbClr val="FFFF00"/>
+                </a:solidFill>
+              </a:rPr>
+              <a:t>15 Extract Transform Load (Part 2)</a:t>
+            </a:r>
+            <a:endParaRPr lang="zh-TW" altLang="en-US" b="1" dirty="0">
+              <a:solidFill>
+                <a:srgbClr val="FFFF00"/>
+              </a:solidFill>
+            </a:endParaRPr>
+          </a:p>
+        </p:txBody>
+      </p:sp>
+      <p:sp>
+        <p:nvSpPr>
+          <p:cNvPr id="3" name="副標題 2"/>
+          <p:cNvSpPr>
+            <a:spLocks noGrp="1"/>
+          </p:cNvSpPr>
+          <p:nvPr>
+            <p:ph type="subTitle" idx="1"/>
+          </p:nvPr>
+        </p:nvSpPr>
+        <p:spPr>
+          <a:xfrm>
+            <a:off x="457200" y="1325449"/>
+            <a:ext cx="8352928" cy="4119775"/>
+          </a:xfrm>
+          <a:ln>
+            <a:solidFill>
+              <a:srgbClr val="C00000"/>
+            </a:solidFill>
+          </a:ln>
+        </p:spPr>
+        <p:txBody>
+          <a:bodyPr>
+            <a:noAutofit/>
+          </a:bodyPr>
+          <a:lstStyle/>
+          <a:p>
+            <a:pPr marL="342900" indent="-342900" algn="l">
+              <a:buClr>
+                <a:srgbClr val="0070C0"/>
+              </a:buClr>
+              <a:buSzPct val="80000"/>
+              <a:buFont typeface="Wingdings" pitchFamily="2" charset="2"/>
+              <a:buChar char="u"/>
+            </a:pPr>
+            <a:r>
+              <a:rPr lang="en-US" sz="1800" b="1" dirty="0">
+                <a:solidFill>
+                  <a:schemeClr val="tx1"/>
+                </a:solidFill>
+              </a:rPr>
+              <a:t>ETL (Extract Transform Load)</a:t>
+            </a:r>
+          </a:p>
+          <a:p>
+            <a:pPr marL="342900" indent="-342900" algn="l">
+              <a:buClr>
+                <a:srgbClr val="0070C0"/>
+              </a:buClr>
+              <a:buSzPct val="80000"/>
+              <a:buFont typeface="Wingdings" pitchFamily="2" charset="2"/>
+              <a:buChar char="u"/>
+            </a:pPr>
+            <a:r>
+              <a:rPr lang="en-US" sz="1800" b="1" dirty="0">
+                <a:solidFill>
+                  <a:schemeClr val="tx1"/>
+                </a:solidFill>
+              </a:rPr>
+              <a:t>This ETL process can be thought of as a fractal (broken) process and this is because it can be applied on various </a:t>
+            </a:r>
+            <a:r>
+              <a:rPr lang="en-US" sz="1800" b="1" dirty="0">
+                <a:solidFill>
+                  <a:srgbClr val="C00000"/>
+                </a:solidFill>
+              </a:rPr>
+              <a:t>scales</a:t>
+            </a:r>
+            <a:r>
+              <a:rPr lang="en-US" sz="1800" dirty="0">
+                <a:solidFill>
+                  <a:schemeClr val="tx1"/>
+                </a:solidFill>
+              </a:rPr>
+              <a:t>. </a:t>
+            </a:r>
+          </a:p>
+          <a:p>
+            <a:pPr marL="342900" indent="-342900" algn="l">
+              <a:buClr>
+                <a:srgbClr val="0070C0"/>
+              </a:buClr>
+              <a:buSzPct val="80000"/>
+              <a:buFont typeface="Wingdings" pitchFamily="2" charset="2"/>
+              <a:buChar char="u"/>
+            </a:pPr>
+            <a:r>
+              <a:rPr lang="en-US" sz="1800" dirty="0">
+                <a:solidFill>
+                  <a:schemeClr val="tx1"/>
+                </a:solidFill>
+              </a:rPr>
+              <a:t>The ETL process can be used on small scale (single program) or on a large scale (all the way up the enterprise level) where there are huge systems handling each of the individual parts.</a:t>
+            </a:r>
+          </a:p>
+          <a:p>
+            <a:pPr marL="342900" indent="-342900" algn="l">
+              <a:buClr>
+                <a:srgbClr val="0070C0"/>
+              </a:buClr>
+              <a:buSzPct val="80000"/>
+              <a:buFont typeface="Wingdings" pitchFamily="2" charset="2"/>
+              <a:buChar char="u"/>
+            </a:pPr>
+            <a:r>
+              <a:rPr lang="en-US" sz="1800" dirty="0">
+                <a:solidFill>
+                  <a:schemeClr val="tx1"/>
+                </a:solidFill>
+              </a:rPr>
+              <a:t>The data science discuss the general data science pipeline.</a:t>
+            </a:r>
+          </a:p>
+          <a:p>
+            <a:pPr marL="342900" indent="-342900" algn="l">
+              <a:buClr>
+                <a:srgbClr val="0070C0"/>
+              </a:buClr>
+              <a:buSzPct val="80000"/>
+              <a:buFont typeface="Wingdings" pitchFamily="2" charset="2"/>
+              <a:buChar char="u"/>
+            </a:pPr>
+            <a:r>
+              <a:rPr lang="en-US" sz="1800" dirty="0">
+                <a:solidFill>
+                  <a:schemeClr val="tx1"/>
+                </a:solidFill>
+              </a:rPr>
+              <a:t>Once we completed the ETL process, we are ready to build and train the deep learning model.</a:t>
+            </a:r>
+          </a:p>
+          <a:p>
+            <a:pPr marL="342900" indent="-342900" algn="l">
+              <a:buClr>
+                <a:srgbClr val="0070C0"/>
+              </a:buClr>
+              <a:buSzPct val="80000"/>
+              <a:buFont typeface="Wingdings" pitchFamily="2" charset="2"/>
+              <a:buChar char="u"/>
+            </a:pPr>
+            <a:r>
+              <a:rPr lang="en-US" sz="1800" dirty="0">
+                <a:solidFill>
+                  <a:schemeClr val="tx1"/>
+                </a:solidFill>
+              </a:rPr>
+              <a:t>The PyTorch has built-in packages and classes that make the ETL very easy.</a:t>
+            </a:r>
+          </a:p>
+          <a:p>
+            <a:pPr marL="342900" indent="-342900" algn="l">
+              <a:buClr>
+                <a:srgbClr val="0070C0"/>
+              </a:buClr>
+              <a:buSzPct val="80000"/>
+              <a:buFont typeface="Wingdings" pitchFamily="2" charset="2"/>
+              <a:buChar char="u"/>
+            </a:pPr>
+            <a:r>
+              <a:rPr lang="en-US" sz="1800" dirty="0">
+                <a:solidFill>
+                  <a:schemeClr val="tx1"/>
+                </a:solidFill>
+              </a:rPr>
+              <a:t>&gt; import torch</a:t>
+            </a:r>
+          </a:p>
+          <a:p>
+            <a:pPr marL="342900" indent="-342900" algn="l">
+              <a:buClr>
+                <a:srgbClr val="0070C0"/>
+              </a:buClr>
+              <a:buSzPct val="80000"/>
+              <a:buFont typeface="Wingdings" pitchFamily="2" charset="2"/>
+              <a:buChar char="u"/>
+            </a:pPr>
+            <a:r>
+              <a:rPr lang="en-US" sz="1800" dirty="0">
+                <a:solidFill>
+                  <a:schemeClr val="tx1"/>
+                </a:solidFill>
+              </a:rPr>
+              <a:t>&gt; import torchvision</a:t>
+            </a:r>
+          </a:p>
+          <a:p>
+            <a:pPr marL="342900" indent="-342900" algn="l">
+              <a:buClr>
+                <a:srgbClr val="0070C0"/>
+              </a:buClr>
+              <a:buSzPct val="80000"/>
+              <a:buFont typeface="Wingdings" pitchFamily="2" charset="2"/>
+              <a:buChar char="u"/>
+            </a:pPr>
+            <a:r>
+              <a:rPr lang="en-US" sz="1800" dirty="0">
+                <a:solidFill>
+                  <a:schemeClr val="tx1"/>
+                </a:solidFill>
+              </a:rPr>
+              <a:t>&gt; import </a:t>
+            </a:r>
+            <a:r>
+              <a:rPr lang="en-US" sz="1800" dirty="0" err="1">
+                <a:solidFill>
+                  <a:schemeClr val="tx1"/>
+                </a:solidFill>
+              </a:rPr>
+              <a:t>torchvision.transforms</a:t>
+            </a:r>
+            <a:r>
+              <a:rPr lang="en-US" sz="1800" dirty="0">
+                <a:solidFill>
+                  <a:schemeClr val="tx1"/>
+                </a:solidFill>
+              </a:rPr>
+              <a:t> as transforms</a:t>
+            </a:r>
+          </a:p>
+        </p:txBody>
+      </p:sp>
+      <p:sp>
+        <p:nvSpPr>
+          <p:cNvPr id="4" name="標題 1"/>
+          <p:cNvSpPr txBox="1">
+            <a:spLocks/>
+          </p:cNvSpPr>
+          <p:nvPr/>
+        </p:nvSpPr>
+        <p:spPr>
+          <a:xfrm>
+            <a:off x="0" y="764704"/>
+            <a:ext cx="9144000" cy="360040"/>
+          </a:xfrm>
+          <a:prstGeom prst="rect">
+            <a:avLst/>
+          </a:prstGeom>
+          <a:gradFill flip="none" rotWithShape="1">
+            <a:gsLst>
+              <a:gs pos="0">
+                <a:srgbClr val="00B0F0">
+                  <a:shade val="30000"/>
+                  <a:satMod val="115000"/>
+                </a:srgbClr>
+              </a:gs>
+              <a:gs pos="50000">
+                <a:srgbClr val="00B0F0">
+                  <a:shade val="67500"/>
+                  <a:satMod val="115000"/>
+                </a:srgbClr>
+              </a:gs>
+              <a:gs pos="100000">
+                <a:srgbClr val="00B0F0">
+                  <a:shade val="100000"/>
+                  <a:satMod val="115000"/>
+                </a:srgbClr>
+              </a:gs>
+            </a:gsLst>
+            <a:path path="circle">
+              <a:fillToRect t="100000" r="100000"/>
+            </a:path>
+            <a:tileRect l="-100000" b="-100000"/>
+          </a:gradFill>
+        </p:spPr>
+        <p:txBody>
+          <a:bodyPr vert="horz" lIns="91440" tIns="45720" rIns="91440" bIns="45720" rtlCol="0" anchor="ctr">
+            <a:normAutofit/>
+          </a:bodyPr>
+          <a:lstStyle/>
+          <a:p>
+            <a:pPr lvl="0">
+              <a:spcBef>
+                <a:spcPct val="0"/>
+              </a:spcBef>
+            </a:pPr>
+            <a:r>
+              <a:rPr lang="en-US" sz="1600">
+                <a:hlinkClick r:id="rId2"/>
+              </a:rPr>
+              <a:t>https://www.youtube.com/watch?v=8n-TGaBZnk4&amp;list=PLZbbT5o_s2xrfNyHZsM6ufI0iZENK9xgG&amp;index=15</a:t>
+            </a:r>
+            <a:endParaRPr kumimoji="0" lang="zh-TW" altLang="en-US" sz="1600" b="0" i="0" u="none" strike="noStrike" kern="1200" cap="none" spc="0" normalizeH="0" baseline="0" noProof="0" dirty="0">
+              <a:ln>
+                <a:noFill/>
+              </a:ln>
+              <a:solidFill>
+                <a:schemeClr val="tx1"/>
+              </a:solidFill>
+              <a:effectLst/>
+              <a:uLnTx/>
+              <a:uFillTx/>
+              <a:latin typeface="+mj-lt"/>
+              <a:ea typeface="+mj-ea"/>
+              <a:cs typeface="+mj-cs"/>
+            </a:endParaRPr>
+          </a:p>
+        </p:txBody>
+      </p:sp>
+      <p:sp>
+        <p:nvSpPr>
+          <p:cNvPr id="5" name="日期版面配置區 4"/>
+          <p:cNvSpPr>
+            <a:spLocks noGrp="1"/>
+          </p:cNvSpPr>
+          <p:nvPr>
+            <p:ph type="dt" sz="half" idx="10"/>
+          </p:nvPr>
+        </p:nvSpPr>
+        <p:spPr/>
+        <p:txBody>
+          <a:bodyPr/>
+          <a:lstStyle/>
+          <a:p>
+            <a:fld id="{A4F910E6-8D00-4BAF-8C48-9688E0B449D3}" type="datetime1">
+              <a:rPr lang="zh-TW" altLang="en-US" smtClean="0"/>
+              <a:pPr/>
+              <a:t>2020/5/30</a:t>
+            </a:fld>
+            <a:endParaRPr lang="zh-TW" altLang="en-US"/>
+          </a:p>
+        </p:txBody>
+      </p:sp>
+      <p:sp>
+        <p:nvSpPr>
+          <p:cNvPr id="6" name="投影片編號版面配置區 5"/>
+          <p:cNvSpPr>
+            <a:spLocks noGrp="1"/>
+          </p:cNvSpPr>
+          <p:nvPr>
+            <p:ph type="sldNum" sz="quarter" idx="12"/>
+          </p:nvPr>
+        </p:nvSpPr>
+        <p:spPr/>
+        <p:txBody>
+          <a:bodyPr/>
+          <a:lstStyle/>
+          <a:p>
+            <a:fld id="{E4D7E63D-91F2-4366-A2C4-1B00C9E2590E}" type="slidenum">
+              <a:rPr lang="zh-TW" altLang="en-US" smtClean="0"/>
+              <a:pPr/>
+              <a:t>3</a:t>
+            </a:fld>
+            <a:endParaRPr lang="zh-TW" altLang="en-US"/>
+          </a:p>
+        </p:txBody>
+      </p:sp>
+    </p:spTree>
+    <p:extLst>
+      <p:ext uri="{BB962C8B-B14F-4D97-AF65-F5344CB8AC3E}">
+        <p14:creationId xmlns:p14="http://schemas.microsoft.com/office/powerpoint/2010/main" val="836325760"/>
+      </p:ext>
+    </p:extLst>
+  </p:cSld>
+  <p:clrMapOvr>
+    <a:masterClrMapping/>
+  </p:clrMapOvr>
+</p:sld>
+</file>
+
+<file path=ppt/slides/slide4.xml><?xml version="1.0" encoding="utf-8"?>
+<p:sld xmlns:a="http://schemas.openxmlformats.org/drawingml/2006/main" xmlns:r="http://schemas.openxmlformats.org/officeDocument/2006/relationships" xmlns:p="http://schemas.openxmlformats.org/presentationml/2006/main">
+  <p:cSld>
+    <p:spTree>
+      <p:nvGrpSpPr>
+        <p:cNvPr id="1" name=""/>
+        <p:cNvGrpSpPr/>
+        <p:nvPr/>
+      </p:nvGrpSpPr>
+      <p:grpSpPr>
+        <a:xfrm>
+          <a:off x="0" y="0"/>
+          <a:ext cx="0" cy="0"/>
+          <a:chOff x="0" y="0"/>
+          <a:chExt cx="0" cy="0"/>
+        </a:xfrm>
+      </p:grpSpPr>
+      <p:sp>
+        <p:nvSpPr>
+          <p:cNvPr id="2" name="標題 1"/>
+          <p:cNvSpPr>
+            <a:spLocks noGrp="1"/>
+          </p:cNvSpPr>
+          <p:nvPr>
+            <p:ph type="ctrTitle"/>
+          </p:nvPr>
+        </p:nvSpPr>
+        <p:spPr>
+          <a:xfrm>
+            <a:off x="0" y="1"/>
+            <a:ext cx="9144000" cy="764704"/>
+          </a:xfrm>
+          <a:gradFill flip="none" rotWithShape="1">
+            <a:gsLst>
+              <a:gs pos="0">
+                <a:srgbClr val="C00000">
+                  <a:shade val="30000"/>
+                  <a:satMod val="115000"/>
+                </a:srgbClr>
+              </a:gs>
+              <a:gs pos="50000">
+                <a:srgbClr val="C00000">
+                  <a:shade val="67500"/>
+                  <a:satMod val="115000"/>
+                </a:srgbClr>
+              </a:gs>
+              <a:gs pos="100000">
+                <a:srgbClr val="C00000">
+                  <a:shade val="100000"/>
+                  <a:satMod val="115000"/>
+                </a:srgbClr>
+              </a:gs>
+            </a:gsLst>
+            <a:path path="circle">
+              <a:fillToRect t="100000" r="100000"/>
+            </a:path>
+            <a:tileRect l="-100000" b="-100000"/>
+          </a:gradFill>
+        </p:spPr>
+        <p:txBody>
+          <a:bodyPr>
+            <a:normAutofit/>
+          </a:bodyPr>
+          <a:lstStyle/>
+          <a:p>
+            <a:pPr algn="l"/>
+            <a:r>
+              <a:rPr lang="en-US" altLang="zh-TW" b="1" dirty="0">
+                <a:solidFill>
+                  <a:srgbClr val="FFFF00"/>
+                </a:solidFill>
+              </a:rPr>
+              <a:t>15 Extract Transform Load (Part 2)</a:t>
+            </a:r>
+            <a:endParaRPr lang="zh-TW" altLang="en-US" b="1" dirty="0">
+              <a:solidFill>
+                <a:srgbClr val="FFFF00"/>
+              </a:solidFill>
+            </a:endParaRPr>
+          </a:p>
+        </p:txBody>
+      </p:sp>
+      <p:sp>
+        <p:nvSpPr>
+          <p:cNvPr id="3" name="副標題 2"/>
+          <p:cNvSpPr>
+            <a:spLocks noGrp="1"/>
+          </p:cNvSpPr>
+          <p:nvPr>
+            <p:ph type="subTitle" idx="1"/>
+          </p:nvPr>
+        </p:nvSpPr>
+        <p:spPr>
+          <a:xfrm>
+            <a:off x="457200" y="1325449"/>
+            <a:ext cx="8352928" cy="2463591"/>
+          </a:xfrm>
+          <a:ln>
+            <a:solidFill>
+              <a:srgbClr val="C00000"/>
+            </a:solidFill>
+          </a:ln>
+        </p:spPr>
+        <p:txBody>
+          <a:bodyPr>
+            <a:noAutofit/>
+          </a:bodyPr>
+          <a:lstStyle/>
+          <a:p>
+            <a:pPr marL="342900" indent="-342900" algn="l">
+              <a:buClr>
+                <a:srgbClr val="0070C0"/>
+              </a:buClr>
+              <a:buSzPct val="80000"/>
+              <a:buFont typeface="Wingdings" pitchFamily="2" charset="2"/>
+              <a:buChar char="u"/>
+            </a:pPr>
+            <a:r>
+              <a:rPr lang="en-US" sz="1800" b="1" dirty="0">
+                <a:solidFill>
+                  <a:schemeClr val="tx1"/>
+                </a:solidFill>
+              </a:rPr>
+              <a:t>ETL (Extract Transform Load)</a:t>
+            </a:r>
+          </a:p>
+          <a:p>
+            <a:pPr marL="342900" indent="-342900" algn="l">
+              <a:buClr>
+                <a:srgbClr val="0070C0"/>
+              </a:buClr>
+              <a:buSzPct val="80000"/>
+              <a:buFont typeface="Wingdings" pitchFamily="2" charset="2"/>
+              <a:buChar char="u"/>
+            </a:pPr>
+            <a:r>
+              <a:rPr lang="en-US" sz="1800" dirty="0">
+                <a:solidFill>
+                  <a:schemeClr val="tx1"/>
+                </a:solidFill>
+              </a:rPr>
+              <a:t>The </a:t>
+            </a:r>
+            <a:r>
+              <a:rPr lang="en-US" sz="1800" b="1" dirty="0">
+                <a:solidFill>
+                  <a:schemeClr val="tx1"/>
+                </a:solidFill>
+              </a:rPr>
+              <a:t>torch</a:t>
+            </a:r>
+            <a:r>
+              <a:rPr lang="en-US" sz="1800" dirty="0">
+                <a:solidFill>
+                  <a:schemeClr val="tx1"/>
+                </a:solidFill>
+              </a:rPr>
+              <a:t> is the top-level PyTorch package.</a:t>
+            </a:r>
+          </a:p>
+          <a:p>
+            <a:pPr marL="342900" indent="-342900" algn="l">
+              <a:buClr>
+                <a:srgbClr val="0070C0"/>
+              </a:buClr>
+              <a:buSzPct val="80000"/>
+              <a:buFont typeface="Wingdings" pitchFamily="2" charset="2"/>
+              <a:buChar char="u"/>
+            </a:pPr>
+            <a:r>
+              <a:rPr lang="en-US" sz="1800" dirty="0">
+                <a:solidFill>
+                  <a:schemeClr val="tx1"/>
+                </a:solidFill>
+              </a:rPr>
+              <a:t>The </a:t>
+            </a:r>
+            <a:r>
+              <a:rPr lang="en-US" sz="1800" b="1" dirty="0">
+                <a:solidFill>
+                  <a:schemeClr val="tx1"/>
+                </a:solidFill>
+              </a:rPr>
+              <a:t>torchvision</a:t>
+            </a:r>
+            <a:r>
+              <a:rPr lang="en-US" sz="1800" dirty="0">
+                <a:solidFill>
+                  <a:schemeClr val="tx1"/>
+                </a:solidFill>
+              </a:rPr>
+              <a:t> is a package that provide access to popular dataset model architecture and image transformation. For compute vision, torchvision is PyTorch package for this but it does some as a separate install.</a:t>
+            </a:r>
+          </a:p>
+          <a:p>
+            <a:pPr marL="342900" indent="-342900" algn="l">
+              <a:buClr>
+                <a:srgbClr val="0070C0"/>
+              </a:buClr>
+              <a:buSzPct val="80000"/>
+              <a:buFont typeface="Wingdings" pitchFamily="2" charset="2"/>
+              <a:buChar char="u"/>
+            </a:pPr>
+            <a:r>
+              <a:rPr lang="en-US" sz="1800" dirty="0">
+                <a:solidFill>
+                  <a:schemeClr val="tx1"/>
+                </a:solidFill>
+              </a:rPr>
+              <a:t>The </a:t>
+            </a:r>
+            <a:r>
+              <a:rPr lang="en-US" sz="1800" b="1" dirty="0" err="1">
+                <a:solidFill>
+                  <a:schemeClr val="tx1"/>
+                </a:solidFill>
+              </a:rPr>
+              <a:t>torchvision.transforms</a:t>
+            </a:r>
+            <a:r>
+              <a:rPr lang="en-US" sz="1800" b="1" dirty="0">
+                <a:solidFill>
+                  <a:schemeClr val="tx1"/>
+                </a:solidFill>
+              </a:rPr>
+              <a:t> </a:t>
+            </a:r>
+            <a:r>
+              <a:rPr lang="en-US" sz="1800" dirty="0">
+                <a:solidFill>
+                  <a:schemeClr val="tx1"/>
+                </a:solidFill>
+              </a:rPr>
+              <a:t>is an interface that gives us access to common transformation for image processing. The </a:t>
+            </a:r>
+            <a:r>
+              <a:rPr lang="en-US" sz="1800" dirty="0" err="1">
+                <a:solidFill>
+                  <a:schemeClr val="tx1"/>
+                </a:solidFill>
+              </a:rPr>
+              <a:t>torchivision.transforms</a:t>
+            </a:r>
+            <a:r>
+              <a:rPr lang="en-US" sz="1800" dirty="0">
+                <a:solidFill>
+                  <a:schemeClr val="tx1"/>
+                </a:solidFill>
+              </a:rPr>
+              <a:t> is inside the torchvision package. </a:t>
+            </a:r>
+          </a:p>
+        </p:txBody>
+      </p:sp>
+      <p:sp>
+        <p:nvSpPr>
+          <p:cNvPr id="4" name="標題 1"/>
+          <p:cNvSpPr txBox="1">
+            <a:spLocks/>
+          </p:cNvSpPr>
+          <p:nvPr/>
+        </p:nvSpPr>
+        <p:spPr>
+          <a:xfrm>
+            <a:off x="0" y="764704"/>
+            <a:ext cx="9144000" cy="360040"/>
+          </a:xfrm>
+          <a:prstGeom prst="rect">
+            <a:avLst/>
+          </a:prstGeom>
+          <a:gradFill flip="none" rotWithShape="1">
+            <a:gsLst>
+              <a:gs pos="0">
+                <a:srgbClr val="00B0F0">
+                  <a:shade val="30000"/>
+                  <a:satMod val="115000"/>
+                </a:srgbClr>
+              </a:gs>
+              <a:gs pos="50000">
+                <a:srgbClr val="00B0F0">
+                  <a:shade val="67500"/>
+                  <a:satMod val="115000"/>
+                </a:srgbClr>
+              </a:gs>
+              <a:gs pos="100000">
+                <a:srgbClr val="00B0F0">
+                  <a:shade val="100000"/>
+                  <a:satMod val="115000"/>
+                </a:srgbClr>
+              </a:gs>
+            </a:gsLst>
+            <a:path path="circle">
+              <a:fillToRect t="100000" r="100000"/>
+            </a:path>
+            <a:tileRect l="-100000" b="-100000"/>
+          </a:gradFill>
+        </p:spPr>
+        <p:txBody>
+          <a:bodyPr vert="horz" lIns="91440" tIns="45720" rIns="91440" bIns="45720" rtlCol="0" anchor="ctr">
+            <a:normAutofit/>
+          </a:bodyPr>
+          <a:lstStyle/>
+          <a:p>
+            <a:pPr lvl="0">
+              <a:spcBef>
+                <a:spcPct val="0"/>
+              </a:spcBef>
+            </a:pPr>
+            <a:r>
+              <a:rPr lang="en-US" sz="1600">
+                <a:hlinkClick r:id="rId2"/>
+              </a:rPr>
+              <a:t>https://www.youtube.com/watch?v=8n-TGaBZnk4&amp;list=PLZbbT5o_s2xrfNyHZsM6ufI0iZENK9xgG&amp;index=15</a:t>
+            </a:r>
+            <a:endParaRPr kumimoji="0" lang="zh-TW" altLang="en-US" sz="1600" b="0" i="0" u="none" strike="noStrike" kern="1200" cap="none" spc="0" normalizeH="0" baseline="0" noProof="0" dirty="0">
+              <a:ln>
+                <a:noFill/>
+              </a:ln>
+              <a:solidFill>
+                <a:schemeClr val="tx1"/>
+              </a:solidFill>
+              <a:effectLst/>
+              <a:uLnTx/>
+              <a:uFillTx/>
+              <a:latin typeface="+mj-lt"/>
+              <a:ea typeface="+mj-ea"/>
+              <a:cs typeface="+mj-cs"/>
+            </a:endParaRPr>
+          </a:p>
+        </p:txBody>
+      </p:sp>
+      <p:sp>
+        <p:nvSpPr>
+          <p:cNvPr id="5" name="日期版面配置區 4"/>
+          <p:cNvSpPr>
+            <a:spLocks noGrp="1"/>
+          </p:cNvSpPr>
+          <p:nvPr>
+            <p:ph type="dt" sz="half" idx="10"/>
+          </p:nvPr>
+        </p:nvSpPr>
+        <p:spPr/>
+        <p:txBody>
+          <a:bodyPr/>
+          <a:lstStyle/>
+          <a:p>
+            <a:fld id="{A4F910E6-8D00-4BAF-8C48-9688E0B449D3}" type="datetime1">
+              <a:rPr lang="zh-TW" altLang="en-US" smtClean="0"/>
+              <a:pPr/>
+              <a:t>2020/5/30</a:t>
+            </a:fld>
+            <a:endParaRPr lang="zh-TW" altLang="en-US"/>
+          </a:p>
+        </p:txBody>
+      </p:sp>
+      <p:sp>
+        <p:nvSpPr>
+          <p:cNvPr id="6" name="投影片編號版面配置區 5"/>
+          <p:cNvSpPr>
+            <a:spLocks noGrp="1"/>
+          </p:cNvSpPr>
+          <p:nvPr>
+            <p:ph type="sldNum" sz="quarter" idx="12"/>
+          </p:nvPr>
+        </p:nvSpPr>
+        <p:spPr/>
+        <p:txBody>
+          <a:bodyPr/>
+          <a:lstStyle/>
+          <a:p>
+            <a:fld id="{E4D7E63D-91F2-4366-A2C4-1B00C9E2590E}" type="slidenum">
+              <a:rPr lang="zh-TW" altLang="en-US" smtClean="0"/>
+              <a:pPr/>
+              <a:t>4</a:t>
+            </a:fld>
+            <a:endParaRPr lang="zh-TW" altLang="en-US"/>
+          </a:p>
+        </p:txBody>
+      </p:sp>
+    </p:spTree>
+    <p:extLst>
+      <p:ext uri="{BB962C8B-B14F-4D97-AF65-F5344CB8AC3E}">
+        <p14:creationId xmlns:p14="http://schemas.microsoft.com/office/powerpoint/2010/main" val="488388679"/>
+      </p:ext>
+    </p:extLst>
+  </p:cSld>
+  <p:clrMapOvr>
+    <a:masterClrMapping/>
+  </p:clrMapOvr>
+</p:sld>
+</file>
+
+<file path=ppt/slides/slide5.xml><?xml version="1.0" encoding="utf-8"?>
+<p:sld xmlns:a="http://schemas.openxmlformats.org/drawingml/2006/main" xmlns:r="http://schemas.openxmlformats.org/officeDocument/2006/relationships" xmlns:p="http://schemas.openxmlformats.org/presentationml/2006/main">
+  <p:cSld>
+    <p:spTree>
+      <p:nvGrpSpPr>
+        <p:cNvPr id="1" name=""/>
+        <p:cNvGrpSpPr/>
+        <p:nvPr/>
+      </p:nvGrpSpPr>
+      <p:grpSpPr>
+        <a:xfrm>
+          <a:off x="0" y="0"/>
+          <a:ext cx="0" cy="0"/>
+          <a:chOff x="0" y="0"/>
+          <a:chExt cx="0" cy="0"/>
+        </a:xfrm>
+      </p:grpSpPr>
+      <p:sp>
+        <p:nvSpPr>
+          <p:cNvPr id="2" name="標題 1"/>
+          <p:cNvSpPr>
+            <a:spLocks noGrp="1"/>
+          </p:cNvSpPr>
+          <p:nvPr>
+            <p:ph type="ctrTitle"/>
+          </p:nvPr>
+        </p:nvSpPr>
+        <p:spPr>
+          <a:xfrm>
+            <a:off x="0" y="1"/>
+            <a:ext cx="9144000" cy="764704"/>
+          </a:xfrm>
+          <a:gradFill flip="none" rotWithShape="1">
+            <a:gsLst>
+              <a:gs pos="0">
+                <a:srgbClr val="C00000">
+                  <a:shade val="30000"/>
+                  <a:satMod val="115000"/>
+                </a:srgbClr>
+              </a:gs>
+              <a:gs pos="50000">
+                <a:srgbClr val="C00000">
+                  <a:shade val="67500"/>
+                  <a:satMod val="115000"/>
+                </a:srgbClr>
+              </a:gs>
+              <a:gs pos="100000">
+                <a:srgbClr val="C00000">
+                  <a:shade val="100000"/>
+                  <a:satMod val="115000"/>
+                </a:srgbClr>
+              </a:gs>
+            </a:gsLst>
+            <a:path path="circle">
+              <a:fillToRect t="100000" r="100000"/>
+            </a:path>
+            <a:tileRect l="-100000" b="-100000"/>
+          </a:gradFill>
+        </p:spPr>
+        <p:txBody>
+          <a:bodyPr>
+            <a:normAutofit/>
+          </a:bodyPr>
+          <a:lstStyle/>
+          <a:p>
+            <a:pPr algn="l"/>
+            <a:r>
+              <a:rPr lang="en-US" altLang="zh-TW" b="1" dirty="0">
+                <a:solidFill>
+                  <a:srgbClr val="FFFF00"/>
+                </a:solidFill>
+              </a:rPr>
+              <a:t>15 Extract Transform Load (Part 2)</a:t>
+            </a:r>
+            <a:endParaRPr lang="zh-TW" altLang="en-US" b="1" dirty="0">
+              <a:solidFill>
+                <a:srgbClr val="FFFF00"/>
+              </a:solidFill>
+            </a:endParaRPr>
+          </a:p>
+        </p:txBody>
+      </p:sp>
+      <p:sp>
+        <p:nvSpPr>
+          <p:cNvPr id="3" name="副標題 2"/>
+          <p:cNvSpPr>
+            <a:spLocks noGrp="1"/>
+          </p:cNvSpPr>
+          <p:nvPr>
+            <p:ph type="subTitle" idx="1"/>
+          </p:nvPr>
+        </p:nvSpPr>
+        <p:spPr>
+          <a:xfrm>
+            <a:off x="457200" y="1325449"/>
+            <a:ext cx="8352928" cy="1743511"/>
+          </a:xfrm>
+          <a:ln>
+            <a:solidFill>
+              <a:srgbClr val="C00000"/>
+            </a:solidFill>
+          </a:ln>
+        </p:spPr>
+        <p:txBody>
+          <a:bodyPr>
+            <a:noAutofit/>
+          </a:bodyPr>
+          <a:lstStyle/>
+          <a:p>
+            <a:pPr marL="342900" indent="-342900" algn="l">
+              <a:buClr>
+                <a:srgbClr val="0070C0"/>
+              </a:buClr>
+              <a:buSzPct val="80000"/>
+              <a:buFont typeface="Wingdings" pitchFamily="2" charset="2"/>
+              <a:buChar char="u"/>
+            </a:pPr>
+            <a:r>
+              <a:rPr lang="en-US" sz="1800" b="1" dirty="0">
+                <a:solidFill>
+                  <a:schemeClr val="tx1"/>
+                </a:solidFill>
+              </a:rPr>
+              <a:t>Prepare the data using PyTorch</a:t>
+            </a:r>
+          </a:p>
+          <a:p>
+            <a:pPr marL="342900" indent="-342900" algn="l">
+              <a:buClr>
+                <a:srgbClr val="0070C0"/>
+              </a:buClr>
+              <a:buSzPct val="80000"/>
+              <a:buFont typeface="+mj-lt"/>
+              <a:buAutoNum type="arabicPeriod"/>
+            </a:pPr>
+            <a:r>
+              <a:rPr lang="en-US" sz="1800" dirty="0">
+                <a:solidFill>
+                  <a:schemeClr val="tx1"/>
+                </a:solidFill>
+              </a:rPr>
+              <a:t>Extract: Get the </a:t>
+            </a:r>
+            <a:r>
+              <a:rPr lang="en-US" sz="1800" b="1" dirty="0">
+                <a:solidFill>
+                  <a:schemeClr val="tx1"/>
+                </a:solidFill>
+              </a:rPr>
+              <a:t>Fashion-MNIST</a:t>
+            </a:r>
+            <a:r>
+              <a:rPr lang="en-US" sz="1800" dirty="0">
+                <a:solidFill>
+                  <a:schemeClr val="tx1"/>
+                </a:solidFill>
+              </a:rPr>
+              <a:t> image data from the source.</a:t>
+            </a:r>
+          </a:p>
+          <a:p>
+            <a:pPr marL="342900" indent="-342900" algn="l">
+              <a:buClr>
+                <a:srgbClr val="0070C0"/>
+              </a:buClr>
+              <a:buSzPct val="80000"/>
+              <a:buFont typeface="+mj-lt"/>
+              <a:buAutoNum type="arabicPeriod"/>
+            </a:pPr>
+            <a:r>
+              <a:rPr lang="en-US" sz="1800" dirty="0">
+                <a:solidFill>
+                  <a:schemeClr val="tx1"/>
+                </a:solidFill>
+              </a:rPr>
+              <a:t>Transform: Put our data into PyTorch </a:t>
+            </a:r>
+            <a:r>
+              <a:rPr lang="en-US" sz="1800" b="1" dirty="0">
+                <a:solidFill>
+                  <a:schemeClr val="tx1"/>
+                </a:solidFill>
+              </a:rPr>
+              <a:t>tensor</a:t>
+            </a:r>
+            <a:r>
+              <a:rPr lang="en-US" sz="1800" dirty="0">
+                <a:solidFill>
+                  <a:schemeClr val="tx1"/>
+                </a:solidFill>
+              </a:rPr>
+              <a:t> form. </a:t>
+            </a:r>
+          </a:p>
+          <a:p>
+            <a:pPr marL="342900" indent="-342900" algn="l">
+              <a:buClr>
+                <a:srgbClr val="0070C0"/>
+              </a:buClr>
+              <a:buSzPct val="80000"/>
+              <a:buFont typeface="+mj-lt"/>
+              <a:buAutoNum type="arabicPeriod"/>
+            </a:pPr>
+            <a:r>
+              <a:rPr lang="en-US" sz="1800" dirty="0">
+                <a:solidFill>
+                  <a:schemeClr val="tx1"/>
+                </a:solidFill>
+              </a:rPr>
+              <a:t>Load: Put the data into </a:t>
+            </a:r>
+            <a:r>
+              <a:rPr lang="en-US" sz="1800" b="1" dirty="0">
+                <a:solidFill>
+                  <a:schemeClr val="tx1"/>
+                </a:solidFill>
+              </a:rPr>
+              <a:t>an object </a:t>
+            </a:r>
+            <a:r>
+              <a:rPr lang="en-US" sz="1800" dirty="0">
+                <a:solidFill>
+                  <a:schemeClr val="tx1"/>
+                </a:solidFill>
+              </a:rPr>
+              <a:t>to make easily accessible.</a:t>
+            </a:r>
+          </a:p>
+          <a:p>
+            <a:pPr marL="342900" indent="-342900" algn="l">
+              <a:buClr>
+                <a:srgbClr val="0070C0"/>
+              </a:buClr>
+              <a:buSzPct val="80000"/>
+              <a:buFont typeface="Wingdings" pitchFamily="2" charset="2"/>
+              <a:buChar char="u"/>
+            </a:pPr>
+            <a:r>
+              <a:rPr lang="en-US" sz="1800" dirty="0">
+                <a:solidFill>
+                  <a:schemeClr val="tx1"/>
+                </a:solidFill>
+              </a:rPr>
+              <a:t>For these purpose, PyTorch gives us two classes data.</a:t>
+            </a:r>
+          </a:p>
+        </p:txBody>
+      </p:sp>
+      <p:sp>
+        <p:nvSpPr>
+          <p:cNvPr id="4" name="標題 1"/>
+          <p:cNvSpPr txBox="1">
+            <a:spLocks/>
+          </p:cNvSpPr>
+          <p:nvPr/>
+        </p:nvSpPr>
+        <p:spPr>
+          <a:xfrm>
+            <a:off x="0" y="764704"/>
+            <a:ext cx="9144000" cy="360040"/>
+          </a:xfrm>
+          <a:prstGeom prst="rect">
+            <a:avLst/>
+          </a:prstGeom>
+          <a:gradFill flip="none" rotWithShape="1">
+            <a:gsLst>
+              <a:gs pos="0">
+                <a:srgbClr val="00B0F0">
+                  <a:shade val="30000"/>
+                  <a:satMod val="115000"/>
+                </a:srgbClr>
+              </a:gs>
+              <a:gs pos="50000">
+                <a:srgbClr val="00B0F0">
+                  <a:shade val="67500"/>
+                  <a:satMod val="115000"/>
+                </a:srgbClr>
+              </a:gs>
+              <a:gs pos="100000">
+                <a:srgbClr val="00B0F0">
+                  <a:shade val="100000"/>
+                  <a:satMod val="115000"/>
+                </a:srgbClr>
+              </a:gs>
+            </a:gsLst>
+            <a:path path="circle">
+              <a:fillToRect t="100000" r="100000"/>
+            </a:path>
+            <a:tileRect l="-100000" b="-100000"/>
+          </a:gradFill>
+        </p:spPr>
+        <p:txBody>
+          <a:bodyPr vert="horz" lIns="91440" tIns="45720" rIns="91440" bIns="45720" rtlCol="0" anchor="ctr">
+            <a:normAutofit/>
+          </a:bodyPr>
+          <a:lstStyle/>
+          <a:p>
+            <a:pPr lvl="0">
+              <a:spcBef>
+                <a:spcPct val="0"/>
+              </a:spcBef>
+            </a:pPr>
+            <a:r>
+              <a:rPr lang="en-US" sz="1600">
+                <a:hlinkClick r:id="rId2"/>
+              </a:rPr>
+              <a:t>https://www.youtube.com/watch?v=8n-TGaBZnk4&amp;list=PLZbbT5o_s2xrfNyHZsM6ufI0iZENK9xgG&amp;index=15</a:t>
+            </a:r>
+            <a:endParaRPr kumimoji="0" lang="zh-TW" altLang="en-US" sz="1600" b="0" i="0" u="none" strike="noStrike" kern="1200" cap="none" spc="0" normalizeH="0" baseline="0" noProof="0" dirty="0">
+              <a:ln>
+                <a:noFill/>
+              </a:ln>
+              <a:solidFill>
+                <a:schemeClr val="tx1"/>
+              </a:solidFill>
+              <a:effectLst/>
+              <a:uLnTx/>
+              <a:uFillTx/>
+              <a:latin typeface="+mj-lt"/>
+              <a:ea typeface="+mj-ea"/>
+              <a:cs typeface="+mj-cs"/>
+            </a:endParaRPr>
+          </a:p>
+        </p:txBody>
+      </p:sp>
+      <p:sp>
+        <p:nvSpPr>
+          <p:cNvPr id="5" name="日期版面配置區 4"/>
+          <p:cNvSpPr>
+            <a:spLocks noGrp="1"/>
+          </p:cNvSpPr>
+          <p:nvPr>
+            <p:ph type="dt" sz="half" idx="10"/>
+          </p:nvPr>
+        </p:nvSpPr>
+        <p:spPr/>
+        <p:txBody>
+          <a:bodyPr/>
+          <a:lstStyle/>
+          <a:p>
+            <a:fld id="{A4F910E6-8D00-4BAF-8C48-9688E0B449D3}" type="datetime1">
+              <a:rPr lang="zh-TW" altLang="en-US" smtClean="0"/>
+              <a:pPr/>
+              <a:t>2020/5/30</a:t>
             </a:fld>
             <a:endParaRPr lang="zh-TW" altLang="en-US"/>
           </a:p>
@@ -10922,7 +11994,7 @@
             <a:fld id="{A4F910E6-8D00-4BAF-8C48-9688E0B449D3}" type="datetime1">
               <a:rPr lang="zh-TW" altLang="en-US" smtClean="0"/>
               <a:pPr/>
-              <a:t>2020/5/28</a:t>
+              <a:t>2020/5/30</a:t>
             </a:fld>
             <a:endParaRPr lang="zh-TW" altLang="en-US"/>
           </a:p>
@@ -11084,7 +12156,7 @@
             <a:fld id="{C389EDC9-19E3-47AC-9C57-C6A24DEA81AD}" type="datetime1">
               <a:rPr lang="zh-TW" altLang="en-US" smtClean="0"/>
               <a:pPr/>
-              <a:t>2020/5/28</a:t>
+              <a:t>2020/5/30</a:t>
             </a:fld>
             <a:endParaRPr lang="zh-TW" altLang="en-US"/>
           </a:p>
@@ -11496,7 +12568,7 @@
             <a:fld id="{A4F910E6-8D00-4BAF-8C48-9688E0B449D3}" type="datetime1">
               <a:rPr lang="zh-TW" altLang="en-US" smtClean="0"/>
               <a:pPr/>
-              <a:t>2020/5/28</a:t>
+              <a:t>2020/5/30</a:t>
             </a:fld>
             <a:endParaRPr lang="zh-TW" altLang="en-US"/>
           </a:p>
@@ -11805,7 +12877,7 @@
             <a:fld id="{A4F910E6-8D00-4BAF-8C48-9688E0B449D3}" type="datetime1">
               <a:rPr lang="zh-TW" altLang="en-US" smtClean="0"/>
               <a:pPr/>
-              <a:t>2020/5/28</a:t>
+              <a:t>2020/5/30</a:t>
             </a:fld>
             <a:endParaRPr lang="zh-TW" altLang="en-US"/>
           </a:p>
